--- a/christmas2004.pptx
+++ b/christmas2004.pptx
@@ -6,6 +6,18 @@
   </p:sldMasterIdLst>
   <p:sldIdLst>
     <p:sldId id="256" r:id="rId2"/>
+    <p:sldId id="257" r:id="rId3"/>
+    <p:sldId id="258" r:id="rId4"/>
+    <p:sldId id="259" r:id="rId5"/>
+    <p:sldId id="260" r:id="rId6"/>
+    <p:sldId id="261" r:id="rId7"/>
+    <p:sldId id="262" r:id="rId8"/>
+    <p:sldId id="263" r:id="rId9"/>
+    <p:sldId id="264" r:id="rId10"/>
+    <p:sldId id="265" r:id="rId11"/>
+    <p:sldId id="266" r:id="rId12"/>
+    <p:sldId id="267" r:id="rId13"/>
+    <p:sldId id="268" r:id="rId14"/>
   </p:sldIdLst>
   <p:sldSz cx="9144000" cy="5143500" type="screen16x9"/>
   <p:notesSz cx="6858000" cy="9144000"/>
@@ -3481,6 +3493,1062 @@
             </a:pPr>
             <a:br/>
             <a:br/>
+          </a:p>
+        </p:txBody>
+      </p:sp>
+    </p:spTree>
+  </p:cSld>
+</p:sld>
+</file>
+
+<file path=ppt/slides/slide10.xml><?xml version="1.0" encoding="utf-8"?>
+<p:sld xmlns:a="http://schemas.openxmlformats.org/drawingml/2006/main" xmlns:r="http://schemas.openxmlformats.org/officeDocument/2006/relationships" xmlns:p="http://schemas.openxmlformats.org/presentationml/2006/main">
+  <p:cSld>
+    <p:spTree>
+      <p:nvGrpSpPr>
+        <p:cNvPr id="1" name=""/>
+        <p:cNvGrpSpPr/>
+        <p:nvPr/>
+      </p:nvGrpSpPr>
+      <p:grpSpPr>
+        <a:xfrm>
+          <a:off x="0" y="0"/>
+          <a:ext cx="0" cy="0"/>
+          <a:chOff x="0" y="0"/>
+          <a:chExt cx="0" cy="0"/>
+        </a:xfrm>
+      </p:grpSpPr>
+      <p:sp>
+        <p:nvSpPr>
+          <p:cNvPr id="2" name="Title 1"/>
+          <p:cNvSpPr>
+            <a:spLocks noGrp="1"/>
+          </p:cNvSpPr>
+          <p:nvPr>
+            <p:ph type="title"/>
+          </p:nvPr>
+        </p:nvSpPr>
+        <p:spPr/>
+        <p:txBody>
+          <a:bodyPr/>
+          <a:lstStyle/>
+          <a:p>
+            <a:pPr lvl="0" indent="0" marL="0">
+              <a:buNone/>
+            </a:pPr>
+            <a:r>
+              <a:rPr/>
+              <a:t>O Come All ye Faithful</a:t>
+            </a:r>
+          </a:p>
+        </p:txBody>
+      </p:sp>
+      <p:sp>
+        <p:nvSpPr>
+          <p:cNvPr id="3" name="Content Placeholder 2"/>
+          <p:cNvSpPr>
+            <a:spLocks noGrp="1"/>
+          </p:cNvSpPr>
+          <p:nvPr>
+            <p:ph idx="1"/>
+          </p:nvPr>
+        </p:nvSpPr>
+        <p:spPr/>
+        <p:txBody>
+          <a:bodyPr/>
+          <a:lstStyle/>
+          <a:p>
+            <a:pPr lvl="0" indent="0" marL="0">
+              <a:buNone/>
+            </a:pPr>
+            <a:r>
+              <a:rPr/>
+              <a:t>O come, all ye faithful, joyful and triumphant</a:t>
+            </a:r>
+          </a:p>
+          <a:p>
+            <a:pPr lvl="0" indent="0" marL="0">
+              <a:buNone/>
+            </a:pPr>
+            <a:r>
+              <a:rPr/>
+              <a:t>O come ye, o come ye to Bethlehem</a:t>
+            </a:r>
+          </a:p>
+          <a:p>
+            <a:pPr lvl="0" indent="0" marL="0">
+              <a:buNone/>
+            </a:pPr>
+            <a:r>
+              <a:rPr/>
+              <a:t>O come and behold Him, born the King of Angels</a:t>
+            </a:r>
+          </a:p>
+          <a:p>
+            <a:pPr lvl="0" indent="0" marL="0">
+              <a:buNone/>
+            </a:pPr>
+            <a:r>
+              <a:rPr/>
+              <a:t>O come, let us adore Him x2</a:t>
+            </a:r>
+          </a:p>
+          <a:p>
+            <a:pPr lvl="0" indent="0" marL="0">
+              <a:buNone/>
+            </a:pPr>
+            <a:r>
+              <a:rPr/>
+              <a:t>O come, let us adore Him, Christ the Lord</a:t>
+            </a:r>
+            <a:br/>
+            <a:br/>
+          </a:p>
+          <a:p>
+            <a:pPr lvl="0" indent="0" marL="0">
+              <a:buNone/>
+            </a:pPr>
+            <a:r>
+              <a:rPr/>
+              <a:t>O come, all ye faithful x2</a:t>
+            </a:r>
+          </a:p>
+          <a:p>
+            <a:pPr lvl="0" indent="0" marL="0">
+              <a:buNone/>
+            </a:pPr>
+            <a:r>
+              <a:rPr/>
+              <a:t>O come, all ye faithful to Bethlehem</a:t>
+            </a:r>
+          </a:p>
+        </p:txBody>
+      </p:sp>
+    </p:spTree>
+  </p:cSld>
+</p:sld>
+</file>
+
+<file path=ppt/slides/slide11.xml><?xml version="1.0" encoding="utf-8"?>
+<p:sld xmlns:a="http://schemas.openxmlformats.org/drawingml/2006/main" xmlns:r="http://schemas.openxmlformats.org/officeDocument/2006/relationships" xmlns:p="http://schemas.openxmlformats.org/presentationml/2006/main">
+  <p:cSld>
+    <p:spTree>
+      <p:nvGrpSpPr>
+        <p:cNvPr id="1" name=""/>
+        <p:cNvGrpSpPr/>
+        <p:nvPr/>
+      </p:nvGrpSpPr>
+      <p:grpSpPr>
+        <a:xfrm>
+          <a:off x="0" y="0"/>
+          <a:ext cx="0" cy="0"/>
+          <a:chOff x="0" y="0"/>
+          <a:chExt cx="0" cy="0"/>
+        </a:xfrm>
+      </p:grpSpPr>
+      <p:sp>
+        <p:nvSpPr>
+          <p:cNvPr id="2" name="Title 1"/>
+          <p:cNvSpPr>
+            <a:spLocks noGrp="1"/>
+          </p:cNvSpPr>
+          <p:nvPr>
+            <p:ph type="title"/>
+          </p:nvPr>
+        </p:nvSpPr>
+        <p:spPr/>
+        <p:txBody>
+          <a:bodyPr/>
+          <a:lstStyle/>
+          <a:p>
+            <a:pPr lvl="0" indent="0" marL="0">
+              <a:buNone/>
+            </a:pPr>
+            <a:r>
+              <a:rPr/>
+              <a:t>Coda</a:t>
+            </a:r>
+          </a:p>
+        </p:txBody>
+      </p:sp>
+      <p:sp>
+        <p:nvSpPr>
+          <p:cNvPr id="3" name="Content Placeholder 2"/>
+          <p:cNvSpPr>
+            <a:spLocks noGrp="1"/>
+          </p:cNvSpPr>
+          <p:nvPr>
+            <p:ph idx="1"/>
+          </p:nvPr>
+        </p:nvSpPr>
+        <p:spPr/>
+        <p:txBody>
+          <a:bodyPr/>
+          <a:lstStyle/>
+          <a:p>
+            <a:pPr lvl="0" indent="0" marL="1270000">
+              <a:buNone/>
+            </a:pPr>
+            <a:r>
+              <a:rPr sz="2000"/>
+              <a:t>When Jesus was about 2 years old</a:t>
+            </a:r>
+          </a:p>
+          <a:p>
+            <a:pPr lvl="0" indent="0" marL="1270000">
+              <a:buNone/>
+            </a:pPr>
+            <a:r>
+              <a:rPr sz="2000"/>
+              <a:t>Wise men gave gifts to Jesus and worshiped him. They knew he was to be a great king.</a:t>
+            </a:r>
+          </a:p>
+        </p:txBody>
+      </p:sp>
+    </p:spTree>
+  </p:cSld>
+</p:sld>
+</file>
+
+<file path=ppt/slides/slide12.xml><?xml version="1.0" encoding="utf-8"?>
+<p:sld xmlns:a="http://schemas.openxmlformats.org/drawingml/2006/main" xmlns:r="http://schemas.openxmlformats.org/officeDocument/2006/relationships" xmlns:p="http://schemas.openxmlformats.org/presentationml/2006/main">
+  <p:cSld>
+    <p:spTree>
+      <p:nvGrpSpPr>
+        <p:cNvPr id="1" name=""/>
+        <p:cNvGrpSpPr/>
+        <p:nvPr/>
+      </p:nvGrpSpPr>
+      <p:grpSpPr>
+        <a:xfrm>
+          <a:off x="0" y="0"/>
+          <a:ext cx="0" cy="0"/>
+          <a:chOff x="0" y="0"/>
+          <a:chExt cx="0" cy="0"/>
+        </a:xfrm>
+      </p:grpSpPr>
+      <p:sp>
+        <p:nvSpPr>
+          <p:cNvPr id="2" name="Title 1"/>
+          <p:cNvSpPr>
+            <a:spLocks noGrp="1"/>
+          </p:cNvSpPr>
+          <p:nvPr>
+            <p:ph type="title"/>
+          </p:nvPr>
+        </p:nvSpPr>
+        <p:spPr/>
+        <p:txBody>
+          <a:bodyPr/>
+          <a:lstStyle/>
+          <a:p>
+            <a:pPr lvl="0" indent="0" marL="0">
+              <a:buNone/>
+            </a:pPr>
+            <a:r>
+              <a:rPr/>
+              <a:t>We Three Kings of Orient Are</a:t>
+            </a:r>
+          </a:p>
+        </p:txBody>
+      </p:sp>
+    </p:spTree>
+  </p:cSld>
+</p:sld>
+</file>
+
+<file path=ppt/slides/slide13.xml><?xml version="1.0" encoding="utf-8"?>
+<p:sld xmlns:a="http://schemas.openxmlformats.org/drawingml/2006/main" xmlns:r="http://schemas.openxmlformats.org/officeDocument/2006/relationships" xmlns:p="http://schemas.openxmlformats.org/presentationml/2006/main">
+  <p:cSld>
+    <p:spTree>
+      <p:nvGrpSpPr>
+        <p:cNvPr id="1" name=""/>
+        <p:cNvGrpSpPr/>
+        <p:nvPr/>
+      </p:nvGrpSpPr>
+      <p:grpSpPr>
+        <a:xfrm>
+          <a:off x="0" y="0"/>
+          <a:ext cx="0" cy="0"/>
+          <a:chOff x="0" y="0"/>
+          <a:chExt cx="0" cy="0"/>
+        </a:xfrm>
+      </p:grpSpPr>
+      <p:sp>
+        <p:nvSpPr>
+          <p:cNvPr id="2" name="Title 1"/>
+          <p:cNvSpPr>
+            <a:spLocks noGrp="1"/>
+          </p:cNvSpPr>
+          <p:nvPr>
+            <p:ph type="title"/>
+          </p:nvPr>
+        </p:nvSpPr>
+        <p:spPr/>
+        <p:txBody>
+          <a:bodyPr/>
+          <a:lstStyle/>
+          <a:p>
+            <a:pPr lvl="0" indent="0" marL="0">
+              <a:buNone/>
+            </a:pPr>
+            <a:r>
+              <a:rPr/>
+              <a:t>God Rest Ye Merry Gentlemen</a:t>
+            </a:r>
+          </a:p>
+        </p:txBody>
+      </p:sp>
+      <p:sp>
+        <p:nvSpPr>
+          <p:cNvPr id="3" name="Content Placeholder 2"/>
+          <p:cNvSpPr>
+            <a:spLocks noGrp="1"/>
+          </p:cNvSpPr>
+          <p:nvPr>
+            <p:ph idx="1"/>
+          </p:nvPr>
+        </p:nvSpPr>
+        <p:spPr/>
+        <p:txBody>
+          <a:bodyPr/>
+          <a:lstStyle/>
+          <a:p>
+            <a:pPr lvl="0" indent="0" marL="0">
+              <a:buNone/>
+            </a:pPr>
+            <a:r>
+              <a:rPr/>
+              <a:t>God rest ye merry gentlemen Let nothing you dismay Remember Christ our Savior Was born on Christmas Day To save us all from Satan’s pow’r When we were gone astray Oh tidings of comfort and joy Comfort and joy Oh tidings of comfort and joy God rest ye merry gentlemen Let nothing you dismay Remember Christ our Savior Was born on Christmas Day To save us all from Satan’s pow’r When we were gone astray Oh tidings of comfort and joy Comfort and joy Oh tidings of comfort and joy In Bethlehem, in Israel This blessed Babe was born And laid within a manger Upon this blessed morn The which His Mother Mary Did nothing take in scorn Oh tidings of comfort and joy Comfort and joy Oh tidings of comfort and joy Fear not then, said the Angel Let nothing you affright This day is born a Savior Of a pure Virgin bright To free all those who trust in Him From Satan’s pow’r and might Oh tidings of comfort and joy Comfort and joy Oh tidings of comfort and joy God rest ye merry gentlemen Let nothing you dismay Remember Christ our Savior Was born on Christmas Day To save us all from Satan’s pow’r When we were gone astray Oh tidings of comfort and joy Comfort and joy Oh tidings of comfort and joy</a:t>
+            </a:r>
+          </a:p>
+        </p:txBody>
+      </p:sp>
+    </p:spTree>
+  </p:cSld>
+</p:sld>
+</file>
+
+<file path=ppt/slides/slide2.xml><?xml version="1.0" encoding="utf-8"?>
+<p:sld xmlns:a="http://schemas.openxmlformats.org/drawingml/2006/main" xmlns:r="http://schemas.openxmlformats.org/officeDocument/2006/relationships" xmlns:p="http://schemas.openxmlformats.org/presentationml/2006/main">
+  <p:cSld>
+    <p:spTree>
+      <p:nvGrpSpPr>
+        <p:cNvPr id="1" name=""/>
+        <p:cNvGrpSpPr/>
+        <p:nvPr/>
+      </p:nvGrpSpPr>
+      <p:grpSpPr>
+        <a:xfrm>
+          <a:off x="0" y="0"/>
+          <a:ext cx="0" cy="0"/>
+          <a:chOff x="0" y="0"/>
+          <a:chExt cx="0" cy="0"/>
+        </a:xfrm>
+      </p:grpSpPr>
+      <p:sp>
+        <p:nvSpPr>
+          <p:cNvPr id="2" name="Title 1"/>
+          <p:cNvSpPr>
+            <a:spLocks noGrp="1"/>
+          </p:cNvSpPr>
+          <p:nvPr>
+            <p:ph type="title"/>
+          </p:nvPr>
+        </p:nvSpPr>
+        <p:spPr/>
+        <p:txBody>
+          <a:bodyPr/>
+          <a:lstStyle/>
+          <a:p>
+            <a:pPr lvl="0" indent="0" marL="0">
+              <a:buNone/>
+            </a:pPr>
+            <a:r>
+              <a:rPr/>
+              <a:t>Cast</a:t>
+            </a:r>
+          </a:p>
+        </p:txBody>
+      </p:sp>
+      <p:sp>
+        <p:nvSpPr>
+          <p:cNvPr id="3" name="Content Placeholder 2"/>
+          <p:cNvSpPr>
+            <a:spLocks noGrp="1"/>
+          </p:cNvSpPr>
+          <p:nvPr>
+            <p:ph idx="1"/>
+          </p:nvPr>
+        </p:nvSpPr>
+        <p:spPr/>
+        <p:txBody>
+          <a:bodyPr/>
+          <a:lstStyle/>
+          <a:p>
+            <a:pPr lvl="0"/>
+            <a:r>
+              <a:rPr/>
+              <a:t>Mary a young women who is about to deliver a baby</a:t>
+            </a:r>
+          </a:p>
+          <a:p>
+            <a:pPr lvl="0"/>
+            <a:r>
+              <a:rPr/>
+              <a:t>Joseph - Her husband - faithful but a bit puzzled</a:t>
+            </a:r>
+          </a:p>
+          <a:p>
+            <a:pPr lvl="0"/>
+            <a:r>
+              <a:rPr/>
+              <a:t>Innkeeper - Small business owner in Bethleham</a:t>
+            </a:r>
+          </a:p>
+          <a:p>
+            <a:pPr lvl="0"/>
+            <a:r>
+              <a:rPr/>
+              <a:t>Chief Sheep - Extroverted leader sheep</a:t>
+            </a:r>
+          </a:p>
+          <a:p>
+            <a:pPr lvl="0"/>
+            <a:r>
+              <a:rPr/>
+              <a:t>Under-sheep - Junior, but not used to following the crowd</a:t>
+            </a:r>
+          </a:p>
+          <a:p>
+            <a:pPr lvl="0"/>
+            <a:r>
+              <a:rPr/>
+              <a:t>Angels - God’s “shock and awe” messengers</a:t>
+            </a:r>
+          </a:p>
+        </p:txBody>
+      </p:sp>
+    </p:spTree>
+  </p:cSld>
+</p:sld>
+</file>
+
+<file path=ppt/slides/slide3.xml><?xml version="1.0" encoding="utf-8"?>
+<p:sld xmlns:a="http://schemas.openxmlformats.org/drawingml/2006/main" xmlns:r="http://schemas.openxmlformats.org/officeDocument/2006/relationships" xmlns:p="http://schemas.openxmlformats.org/presentationml/2006/main">
+  <p:cSld>
+    <p:spTree>
+      <p:nvGrpSpPr>
+        <p:cNvPr id="1" name=""/>
+        <p:cNvGrpSpPr/>
+        <p:nvPr/>
+      </p:nvGrpSpPr>
+      <p:grpSpPr>
+        <a:xfrm>
+          <a:off x="0" y="0"/>
+          <a:ext cx="0" cy="0"/>
+          <a:chOff x="0" y="0"/>
+          <a:chExt cx="0" cy="0"/>
+        </a:xfrm>
+      </p:grpSpPr>
+      <p:sp>
+        <p:nvSpPr>
+          <p:cNvPr id="3" name="Content Placeholder 2"/>
+          <p:cNvSpPr>
+            <a:spLocks noGrp="1"/>
+          </p:cNvSpPr>
+          <p:nvPr>
+            <p:ph idx="1"/>
+          </p:nvPr>
+        </p:nvSpPr>
+        <p:spPr/>
+        <p:txBody>
+          <a:bodyPr/>
+          <a:lstStyle/>
+          <a:p>
+            <a:pPr lvl="0" indent="0" marL="0">
+              <a:buNone/>
+            </a:pPr>
+            <a:r>
+              <a:rPr/>
+              <a:t>She was very happy</a:t>
+            </a:r>
+          </a:p>
+          <a:p>
+            <a:pPr lvl="0" indent="0" marL="0">
+              <a:buNone/>
+            </a:pPr>
+            <a:r>
+              <a:rPr/>
+              <a:t>She was a virgin Promised to be married</a:t>
+            </a:r>
+          </a:p>
+          <a:p>
+            <a:pPr lvl="0" indent="0" marL="0">
+              <a:buNone/>
+            </a:pPr>
+            <a:r>
+              <a:rPr/>
+              <a:t>Mary and Joseph had to take a trip</a:t>
+            </a:r>
+          </a:p>
+          <a:p>
+            <a:pPr lvl="0" indent="0" marL="0">
+              <a:buNone/>
+            </a:pPr>
+            <a:r>
+              <a:rPr/>
+              <a:t>They looked for a place to sleep as she was expecting a child</a:t>
+            </a:r>
+          </a:p>
+          <a:p>
+            <a:pPr lvl="0" indent="0" marL="0">
+              <a:buNone/>
+            </a:pPr>
+            <a:r>
+              <a:rPr/>
+              <a:t>Finally, the inkeeper said that they could at</a:t>
+            </a:r>
+          </a:p>
+          <a:p>
+            <a:pPr lvl="0" indent="0" marL="0">
+              <a:buNone/>
+            </a:pPr>
+            <a:r>
+              <a:rPr/>
+              <a:t>Many people, but no room for them at the inn</a:t>
+            </a:r>
+          </a:p>
+          <a:p>
+            <a:pPr lvl="0" indent="0" marL="0">
+              <a:buNone/>
+            </a:pPr>
+            <a:r>
+              <a:rPr/>
+              <a:t>Stable with animals</a:t>
+            </a:r>
+          </a:p>
+          <a:p>
+            <a:pPr lvl="0" indent="0" marL="0">
+              <a:buNone/>
+            </a:pPr>
+            <a:r>
+              <a:rPr/>
+              <a:t>Joseph made a soft bed for Mary</a:t>
+            </a:r>
+          </a:p>
+          <a:p>
+            <a:pPr lvl="0" indent="0" marL="0">
+              <a:buNone/>
+            </a:pPr>
+            <a:r>
+              <a:rPr/>
+              <a:t>God’s son was born that night</a:t>
+            </a:r>
+          </a:p>
+          <a:p>
+            <a:pPr lvl="0" indent="0" marL="0">
+              <a:buNone/>
+            </a:pPr>
+            <a:r>
+              <a:rPr b="1"/>
+              <a:t>Mary wrapped him in soft cloths and laid him in a manger. She named her baby Jesus</a:t>
+            </a:r>
+          </a:p>
+        </p:txBody>
+      </p:sp>
+    </p:spTree>
+  </p:cSld>
+</p:sld>
+</file>
+
+<file path=ppt/slides/slide4.xml><?xml version="1.0" encoding="utf-8"?>
+<p:sld xmlns:a="http://schemas.openxmlformats.org/drawingml/2006/main" xmlns:r="http://schemas.openxmlformats.org/officeDocument/2006/relationships" xmlns:p="http://schemas.openxmlformats.org/presentationml/2006/main">
+  <p:cSld>
+    <p:spTree>
+      <p:nvGrpSpPr>
+        <p:cNvPr id="1" name=""/>
+        <p:cNvGrpSpPr/>
+        <p:nvPr/>
+      </p:nvGrpSpPr>
+      <p:grpSpPr>
+        <a:xfrm>
+          <a:off x="0" y="0"/>
+          <a:ext cx="0" cy="0"/>
+          <a:chOff x="0" y="0"/>
+          <a:chExt cx="0" cy="0"/>
+        </a:xfrm>
+      </p:grpSpPr>
+      <p:sp>
+        <p:nvSpPr>
+          <p:cNvPr id="2" name="Title 1"/>
+          <p:cNvSpPr>
+            <a:spLocks noGrp="1"/>
+          </p:cNvSpPr>
+          <p:nvPr>
+            <p:ph type="title"/>
+          </p:nvPr>
+        </p:nvSpPr>
+        <p:spPr/>
+        <p:txBody>
+          <a:bodyPr/>
+          <a:lstStyle/>
+          <a:p>
+            <a:pPr lvl="0" indent="0" marL="0">
+              <a:buNone/>
+            </a:pPr>
+            <a:r>
+              <a:rPr/>
+              <a:t>Away in an Manger</a:t>
+            </a:r>
+          </a:p>
+        </p:txBody>
+      </p:sp>
+      <p:sp>
+        <p:nvSpPr>
+          <p:cNvPr id="3" name="Content Placeholder 2"/>
+          <p:cNvSpPr>
+            <a:spLocks noGrp="1"/>
+          </p:cNvSpPr>
+          <p:nvPr>
+            <p:ph idx="1"/>
+          </p:nvPr>
+        </p:nvSpPr>
+        <p:spPr/>
+        <p:txBody>
+          <a:bodyPr/>
+          <a:lstStyle/>
+          <a:p>
+            <a:pPr lvl="0" indent="0" marL="0">
+              <a:buNone/>
+            </a:pPr>
+            <a:r>
+              <a:rPr/>
+              <a:t>Away in a manger, no crib for a bed</a:t>
+            </a:r>
+          </a:p>
+          <a:p>
+            <a:pPr lvl="0" indent="0" marL="0">
+              <a:buNone/>
+            </a:pPr>
+            <a:r>
+              <a:rPr/>
+              <a:t>The little Lord Jesus laid down His sweet head</a:t>
+            </a:r>
+          </a:p>
+          <a:p>
+            <a:pPr lvl="0" indent="0" marL="0">
+              <a:buNone/>
+            </a:pPr>
+            <a:r>
+              <a:rPr/>
+              <a:t>The stars in the bright sky looked down where He lay</a:t>
+            </a:r>
+          </a:p>
+          <a:p>
+            <a:pPr lvl="0" indent="0" marL="0">
+              <a:buNone/>
+            </a:pPr>
+            <a:r>
+              <a:rPr/>
+              <a:t>The little Lord Jesus asleep on the hay</a:t>
+            </a:r>
+          </a:p>
+        </p:txBody>
+      </p:sp>
+    </p:spTree>
+  </p:cSld>
+</p:sld>
+</file>
+
+<file path=ppt/slides/slide5.xml><?xml version="1.0" encoding="utf-8"?>
+<p:sld xmlns:a="http://schemas.openxmlformats.org/drawingml/2006/main" xmlns:r="http://schemas.openxmlformats.org/officeDocument/2006/relationships" xmlns:p="http://schemas.openxmlformats.org/presentationml/2006/main">
+  <p:cSld>
+    <p:spTree>
+      <p:nvGrpSpPr>
+        <p:cNvPr id="1" name=""/>
+        <p:cNvGrpSpPr/>
+        <p:nvPr/>
+      </p:nvGrpSpPr>
+      <p:grpSpPr>
+        <a:xfrm>
+          <a:off x="0" y="0"/>
+          <a:ext cx="0" cy="0"/>
+          <a:chOff x="0" y="0"/>
+          <a:chExt cx="0" cy="0"/>
+        </a:xfrm>
+      </p:grpSpPr>
+      <p:sp>
+        <p:nvSpPr>
+          <p:cNvPr id="3" name="Content Placeholder 2"/>
+          <p:cNvSpPr>
+            <a:spLocks noGrp="1"/>
+          </p:cNvSpPr>
+          <p:nvPr>
+            <p:ph idx="1"/>
+          </p:nvPr>
+        </p:nvSpPr>
+        <p:spPr/>
+        <p:txBody>
+          <a:bodyPr/>
+          <a:lstStyle/>
+          <a:p>
+            <a:pPr lvl="0" indent="0" marL="0">
+              <a:buNone/>
+            </a:pPr>
+            <a:r>
+              <a:rPr b="1"/>
+              <a:t>A savior is born in Bethleham. You will find him wrapped in swaddling clothes and lying in a manger</a:t>
+            </a:r>
+          </a:p>
+        </p:txBody>
+      </p:sp>
+    </p:spTree>
+  </p:cSld>
+</p:sld>
+</file>
+
+<file path=ppt/slides/slide6.xml><?xml version="1.0" encoding="utf-8"?>
+<p:sld xmlns:a="http://schemas.openxmlformats.org/drawingml/2006/main" xmlns:r="http://schemas.openxmlformats.org/officeDocument/2006/relationships" xmlns:p="http://schemas.openxmlformats.org/presentationml/2006/main">
+  <p:cSld>
+    <p:spTree>
+      <p:nvGrpSpPr>
+        <p:cNvPr id="1" name=""/>
+        <p:cNvGrpSpPr/>
+        <p:nvPr/>
+      </p:nvGrpSpPr>
+      <p:grpSpPr>
+        <a:xfrm>
+          <a:off x="0" y="0"/>
+          <a:ext cx="0" cy="0"/>
+          <a:chOff x="0" y="0"/>
+          <a:chExt cx="0" cy="0"/>
+        </a:xfrm>
+      </p:grpSpPr>
+      <p:sp>
+        <p:nvSpPr>
+          <p:cNvPr id="2" name="Title 1"/>
+          <p:cNvSpPr>
+            <a:spLocks noGrp="1"/>
+          </p:cNvSpPr>
+          <p:nvPr>
+            <p:ph type="title"/>
+          </p:nvPr>
+        </p:nvSpPr>
+        <p:spPr/>
+        <p:txBody>
+          <a:bodyPr/>
+          <a:lstStyle/>
+          <a:p>
+            <a:pPr lvl="0" indent="0" marL="0">
+              <a:buNone/>
+            </a:pPr>
+            <a:r>
+              <a:rPr/>
+              <a:t>First Noel</a:t>
+            </a:r>
+          </a:p>
+        </p:txBody>
+      </p:sp>
+      <p:sp>
+        <p:nvSpPr>
+          <p:cNvPr id="3" name="Content Placeholder 2"/>
+          <p:cNvSpPr>
+            <a:spLocks noGrp="1"/>
+          </p:cNvSpPr>
+          <p:nvPr>
+            <p:ph idx="1"/>
+          </p:nvPr>
+        </p:nvSpPr>
+        <p:spPr/>
+        <p:txBody>
+          <a:bodyPr/>
+          <a:lstStyle/>
+          <a:p>
+            <a:pPr lvl="0" indent="0" marL="0">
+              <a:buNone/>
+            </a:pPr>
+            <a:r>
+              <a:rPr/>
+              <a:t>The first Noel the angel did say</a:t>
+            </a:r>
+          </a:p>
+          <a:p>
+            <a:pPr lvl="0" indent="0" marL="0">
+              <a:buNone/>
+            </a:pPr>
+            <a:r>
+              <a:rPr/>
+              <a:t>was to certain poor shepherds in fields as they lay;</a:t>
+            </a:r>
+          </a:p>
+          <a:p>
+            <a:pPr lvl="0" indent="0" marL="0">
+              <a:buNone/>
+            </a:pPr>
+            <a:r>
+              <a:rPr/>
+              <a:t>In fields where they lay tending their sheep,</a:t>
+            </a:r>
+          </a:p>
+          <a:p>
+            <a:pPr lvl="0" indent="0" marL="0">
+              <a:buNone/>
+            </a:pPr>
+            <a:r>
+              <a:rPr/>
+              <a:t>On a cold win­ter’s night that was so deep.</a:t>
+            </a:r>
+            <a:br/>
+            <a:br/>
+            <a:r>
+              <a:rPr/>
+              <a:t>Noel, Noel, Noel, Noel.</a:t>
+            </a:r>
+          </a:p>
+          <a:p>
+            <a:pPr lvl="0" indent="0" marL="0">
+              <a:buNone/>
+            </a:pPr>
+            <a:r>
+              <a:rPr/>
+              <a:t>Born is the King of Israel</a:t>
+            </a:r>
+          </a:p>
+        </p:txBody>
+      </p:sp>
+    </p:spTree>
+  </p:cSld>
+</p:sld>
+</file>
+
+<file path=ppt/slides/slide7.xml><?xml version="1.0" encoding="utf-8"?>
+<p:sld xmlns:a="http://schemas.openxmlformats.org/drawingml/2006/main" xmlns:r="http://schemas.openxmlformats.org/officeDocument/2006/relationships" xmlns:p="http://schemas.openxmlformats.org/presentationml/2006/main">
+  <p:cSld>
+    <p:spTree>
+      <p:nvGrpSpPr>
+        <p:cNvPr id="1" name=""/>
+        <p:cNvGrpSpPr/>
+        <p:nvPr/>
+      </p:nvGrpSpPr>
+      <p:grpSpPr>
+        <a:xfrm>
+          <a:off x="0" y="0"/>
+          <a:ext cx="0" cy="0"/>
+          <a:chOff x="0" y="0"/>
+          <a:chExt cx="0" cy="0"/>
+        </a:xfrm>
+      </p:grpSpPr>
+      <p:sp>
+        <p:nvSpPr>
+          <p:cNvPr id="3" name="Content Placeholder 2"/>
+          <p:cNvSpPr>
+            <a:spLocks noGrp="1"/>
+          </p:cNvSpPr>
+          <p:nvPr>
+            <p:ph idx="1"/>
+          </p:nvPr>
+        </p:nvSpPr>
+        <p:spPr/>
+        <p:txBody>
+          <a:bodyPr/>
+          <a:lstStyle/>
+          <a:p>
+            <a:pPr lvl="0" indent="0" marL="0">
+              <a:buNone/>
+            </a:pPr>
+            <a:r>
+              <a:rPr/>
+              <a:t>“Let’s see if we can find this baby”</a:t>
+            </a:r>
+          </a:p>
+          <a:p>
+            <a:pPr lvl="0" indent="0" marL="0">
+              <a:buNone/>
+            </a:pPr>
+            <a:r>
+              <a:rPr/>
+              <a:t>They told everyone what</a:t>
+            </a:r>
+          </a:p>
+          <a:p>
+            <a:pPr lvl="0" indent="0" marL="0">
+              <a:buNone/>
+            </a:pPr>
+            <a:r>
+              <a:rPr/>
+              <a:t>Suddenly thousands of angels appeared in the sky</a:t>
+            </a:r>
+          </a:p>
+          <a:p>
+            <a:pPr lvl="0" indent="0" marL="0">
+              <a:buNone/>
+            </a:pPr>
+            <a:r>
+              <a:rPr/>
+              <a:t>Peace, Goodwill toward manking</a:t>
+            </a:r>
+          </a:p>
+          <a:p>
+            <a:pPr lvl="0" indent="0" marL="0">
+              <a:buNone/>
+            </a:pPr>
+            <a:r>
+              <a:rPr b="1"/>
+              <a:t>They praise God for sending Jesus to be our savior, saying “Glory to God in the highest. And on earth peace, goodwill toward men.”</a:t>
+            </a:r>
+          </a:p>
+        </p:txBody>
+      </p:sp>
+    </p:spTree>
+  </p:cSld>
+</p:sld>
+</file>
+
+<file path=ppt/slides/slide8.xml><?xml version="1.0" encoding="utf-8"?>
+<p:sld xmlns:a="http://schemas.openxmlformats.org/drawingml/2006/main" xmlns:r="http://schemas.openxmlformats.org/officeDocument/2006/relationships" xmlns:p="http://schemas.openxmlformats.org/presentationml/2006/main">
+  <p:cSld>
+    <p:spTree>
+      <p:nvGrpSpPr>
+        <p:cNvPr id="1" name=""/>
+        <p:cNvGrpSpPr/>
+        <p:nvPr/>
+      </p:nvGrpSpPr>
+      <p:grpSpPr>
+        <a:xfrm>
+          <a:off x="0" y="0"/>
+          <a:ext cx="0" cy="0"/>
+          <a:chOff x="0" y="0"/>
+          <a:chExt cx="0" cy="0"/>
+        </a:xfrm>
+      </p:grpSpPr>
+      <p:sp>
+        <p:nvSpPr>
+          <p:cNvPr id="2" name="Title 1"/>
+          <p:cNvSpPr>
+            <a:spLocks noGrp="1"/>
+          </p:cNvSpPr>
+          <p:nvPr>
+            <p:ph type="title"/>
+          </p:nvPr>
+        </p:nvSpPr>
+        <p:spPr/>
+        <p:txBody>
+          <a:bodyPr/>
+          <a:lstStyle/>
+          <a:p>
+            <a:pPr lvl="0" indent="0" marL="0">
+              <a:buNone/>
+            </a:pPr>
+            <a:r>
+              <a:rPr/>
+              <a:t>Hark the Herald Angels Sing</a:t>
+            </a:r>
+          </a:p>
+        </p:txBody>
+      </p:sp>
+      <p:sp>
+        <p:nvSpPr>
+          <p:cNvPr id="3" name="Content Placeholder 2"/>
+          <p:cNvSpPr>
+            <a:spLocks noGrp="1"/>
+          </p:cNvSpPr>
+          <p:nvPr>
+            <p:ph idx="1"/>
+          </p:nvPr>
+        </p:nvSpPr>
+        <p:spPr/>
+        <p:txBody>
+          <a:bodyPr/>
+          <a:lstStyle/>
+          <a:p>
+            <a:pPr lvl="0" indent="0" marL="0">
+              <a:buNone/>
+            </a:pPr>
+            <a:r>
+              <a:rPr/>
+              <a:t>Hark! the herald angels sing, “Glory to the newborn King:</a:t>
+            </a:r>
+          </a:p>
+          <a:p>
+            <a:pPr lvl="0" indent="0" marL="0">
+              <a:buNone/>
+            </a:pPr>
+            <a:r>
+              <a:rPr/>
+              <a:t>peace on earth, and mercy mild, God and sinners reconciled!”</a:t>
+            </a:r>
+          </a:p>
+          <a:p>
+            <a:pPr lvl="0" indent="0" marL="0">
+              <a:buNone/>
+            </a:pPr>
+            <a:r>
+              <a:rPr/>
+              <a:t>Joyful, all ye nations, rise, join the triumph of the skies;</a:t>
+            </a:r>
+          </a:p>
+          <a:p>
+            <a:pPr lvl="0" indent="0" marL="0">
+              <a:buNone/>
+            </a:pPr>
+            <a:r>
+              <a:rPr/>
+              <a:t>with th’angelic hosts proclaim, “Christ is born in Bethlehem!”</a:t>
+            </a:r>
+            <a:br/>
+            <a:br/>
+            <a:r>
+              <a:rPr/>
+              <a:t>Hark! the herald angels sing, “Glory to the newborn King”</a:t>
+            </a:r>
+          </a:p>
+        </p:txBody>
+      </p:sp>
+    </p:spTree>
+  </p:cSld>
+</p:sld>
+</file>
+
+<file path=ppt/slides/slide9.xml><?xml version="1.0" encoding="utf-8"?>
+<p:sld xmlns:a="http://schemas.openxmlformats.org/drawingml/2006/main" xmlns:r="http://schemas.openxmlformats.org/officeDocument/2006/relationships" xmlns:p="http://schemas.openxmlformats.org/presentationml/2006/main">
+  <p:cSld>
+    <p:spTree>
+      <p:nvGrpSpPr>
+        <p:cNvPr id="1" name=""/>
+        <p:cNvGrpSpPr/>
+        <p:nvPr/>
+      </p:nvGrpSpPr>
+      <p:grpSpPr>
+        <a:xfrm>
+          <a:off x="0" y="0"/>
+          <a:ext cx="0" cy="0"/>
+          <a:chOff x="0" y="0"/>
+          <a:chExt cx="0" cy="0"/>
+        </a:xfrm>
+      </p:grpSpPr>
+      <p:sp>
+        <p:nvSpPr>
+          <p:cNvPr id="3" name="Content Placeholder 2"/>
+          <p:cNvSpPr>
+            <a:spLocks noGrp="1"/>
+          </p:cNvSpPr>
+          <p:nvPr>
+            <p:ph idx="1"/>
+          </p:nvPr>
+        </p:nvSpPr>
+        <p:spPr/>
+        <p:txBody>
+          <a:bodyPr/>
+          <a:lstStyle/>
+          <a:p>
+            <a:pPr lvl="0" indent="-342900" marL="342900">
+              <a:buAutoNum startAt="4" type="arabicPeriod"/>
+            </a:pPr>
+            <a:r>
+              <a:rPr/>
+              <a:t>They told everyone the good news. They praised God all the way back to their fields.</a:t>
+            </a:r>
           </a:p>
         </p:txBody>
       </p:sp>

--- a/christmas2004.pptx
+++ b/christmas2004.pptx
@@ -3971,7 +3971,7 @@
             </a:pPr>
             <a:r>
               <a:rPr/>
-              <a:t>She was very happy</a:t>
+              <a:t>THis is how the birth of Jesus came about:</a:t>
             </a:r>
           </a:p>
           <a:p>
@@ -3980,7 +3980,7 @@
             </a:pPr>
             <a:r>
               <a:rPr/>
-              <a:t>She was a virgin Promised to be married</a:t>
+              <a:t>Many years ago, God sent the angel Gabriel to a town called Nazareth to tell Mary something important.</a:t>
             </a:r>
           </a:p>
           <a:p>
@@ -3989,7 +3989,25 @@
             </a:pPr>
             <a:r>
               <a:rPr/>
-              <a:t>Mary and Joseph had to take a trip</a:t>
+              <a:t>At first Mary was troubled. But the angel said</a:t>
+            </a:r>
+          </a:p>
+          <a:p>
+            <a:pPr lvl="0" indent="0" marL="1270000">
+              <a:buNone/>
+            </a:pPr>
+            <a:r>
+              <a:rPr sz="2000"/>
+              <a:t>Do not be afraid, Mary. God wants you to be the mother of his Son.</a:t>
+            </a:r>
+          </a:p>
+          <a:p>
+            <a:pPr lvl="0" indent="0" marL="1270000">
+              <a:buNone/>
+            </a:pPr>
+            <a:r>
+              <a:rPr sz="2000"/>
+              <a:t>You are to give him the name Jesus because he will save his people from their sins</a:t>
             </a:r>
           </a:p>
           <a:p>
@@ -3998,7 +4016,7 @@
             </a:pPr>
             <a:r>
               <a:rPr/>
-              <a:t>They looked for a place to sleep as she was expecting a child</a:t>
+              <a:t>Mary said she would do whatever God wanted.</a:t>
             </a:r>
           </a:p>
           <a:p>
@@ -4007,7 +4025,7 @@
             </a:pPr>
             <a:r>
               <a:rPr/>
-              <a:t>Finally, the inkeeper said that they could at</a:t>
+              <a:t>Mary was very happy to become Jesus’ mother</a:t>
             </a:r>
           </a:p>
           <a:p>
@@ -4016,7 +4034,7 @@
             </a:pPr>
             <a:r>
               <a:rPr/>
-              <a:t>Many people, but no room for them at the inn</a:t>
+              <a:t>Now May was a virgin, promised to be married to a man named Joseph.</a:t>
             </a:r>
           </a:p>
           <a:p>
@@ -4025,7 +4043,7 @@
             </a:pPr>
             <a:r>
               <a:rPr/>
-              <a:t>Stable with animals</a:t>
+              <a:t>One day, Mary and Joseph had to take a trip.</a:t>
             </a:r>
           </a:p>
           <a:p>
@@ -4034,7 +4052,7 @@
             </a:pPr>
             <a:r>
               <a:rPr/>
-              <a:t>Joseph made a soft bed for Mary</a:t>
+              <a:t>They came to the town of Bethlemah. They looked for a place to sleep as she was expecting a child, but there were many people and there was no room for thim at the Inn.</a:t>
             </a:r>
           </a:p>
           <a:p>
@@ -4043,7 +4061,25 @@
             </a:pPr>
             <a:r>
               <a:rPr/>
-              <a:t>God’s son was born that night</a:t>
+              <a:t>Finally, the innkeeper said that they could stay in his stable with the animals.</a:t>
+            </a:r>
+          </a:p>
+          <a:p>
+            <a:pPr lvl="0" indent="0" marL="0">
+              <a:buNone/>
+            </a:pPr>
+            <a:r>
+              <a:rPr/>
+              <a:t>Joseph made a soft bed for Mary. They lay down to sleep.</a:t>
+            </a:r>
+          </a:p>
+          <a:p>
+            <a:pPr lvl="0" indent="0" marL="0">
+              <a:buNone/>
+            </a:pPr>
+            <a:r>
+              <a:rPr/>
+              <a:t>God’s son was born that night.</a:t>
             </a:r>
           </a:p>
           <a:p>
@@ -4197,8 +4233,30 @@
               <a:buNone/>
             </a:pPr>
             <a:r>
+              <a:rPr/>
+              <a:t>One the night Jesus was bor, some shephers were in the field taking care of their sheep.</a:t>
+            </a:r>
+          </a:p>
+          <a:p>
+            <a:pPr lvl="0" indent="0" marL="0">
+              <a:buNone/>
+            </a:pPr>
+            <a:r>
+              <a:rPr/>
+              <a:t>Suddenly, an angel appeared. The shepherds were afraid.</a:t>
+            </a:r>
+          </a:p>
+          <a:p>
+            <a:pPr lvl="0" indent="0" marL="0">
+              <a:buNone/>
+            </a:pPr>
+            <a:r>
+              <a:rPr/>
+              <a:t>But the angel said </a:t>
+            </a:r>
+            <a:r>
               <a:rPr b="1"/>
-              <a:t>A savior is born in Bethleham. You will find him wrapped in swaddling clothes and lying in a manger</a:t>
+              <a:t>Do not be afraid. A savior is born in Bethleham. You will find him wrapped in swaddling clothes and lying in a manger</a:t>
             </a:r>
           </a:p>
         </p:txBody>
@@ -4359,34 +4417,7 @@
             </a:pPr>
             <a:r>
               <a:rPr/>
-              <a:t>“Let’s see if we can find this baby”</a:t>
-            </a:r>
-          </a:p>
-          <a:p>
-            <a:pPr lvl="0" indent="0" marL="0">
-              <a:buNone/>
-            </a:pPr>
-            <a:r>
-              <a:rPr/>
-              <a:t>They told everyone what</a:t>
-            </a:r>
-          </a:p>
-          <a:p>
-            <a:pPr lvl="0" indent="0" marL="0">
-              <a:buNone/>
-            </a:pPr>
-            <a:r>
-              <a:rPr/>
-              <a:t>Suddenly thousands of angels appeared in the sky</a:t>
-            </a:r>
-          </a:p>
-          <a:p>
-            <a:pPr lvl="0" indent="0" marL="0">
-              <a:buNone/>
-            </a:pPr>
-            <a:r>
-              <a:rPr/>
-              <a:t>Peace, Goodwill toward manking</a:t>
+              <a:t>Suddenly thousands of ag=ngels appeared in the sky</a:t>
             </a:r>
           </a:p>
           <a:p>
@@ -4542,12 +4573,51 @@
           <a:bodyPr/>
           <a:lstStyle/>
           <a:p>
-            <a:pPr lvl="0" indent="-342900" marL="342900">
-              <a:buAutoNum startAt="4" type="arabicPeriod"/>
-            </a:pPr>
-            <a:r>
-              <a:rPr/>
-              <a:t>They told everyone the good news. They praised God all the way back to their fields.</a:t>
+            <a:pPr lvl="0" indent="0" marL="0">
+              <a:buNone/>
+            </a:pPr>
+            <a:r>
+              <a:rPr/>
+              <a:t>When the angels left, the shepherds ran to Bethlehem. </a:t>
+            </a:r>
+            <a:r>
+              <a:rPr i="1"/>
+              <a:t>“Let’s see if we can find this baby”</a:t>
+            </a:r>
+            <a:r>
+              <a:rPr/>
+              <a:t> they said.</a:t>
+            </a:r>
+          </a:p>
+          <a:p>
+            <a:pPr lvl="0" indent="0" marL="0">
+              <a:buNone/>
+            </a:pPr>
+            <a:r>
+              <a:rPr/>
+              <a:t>When they found Jesus lying in a manger, they worshipped him.</a:t>
+            </a:r>
+          </a:p>
+          <a:p>
+            <a:pPr lvl="0" indent="0" marL="0">
+              <a:buNone/>
+            </a:pPr>
+            <a:r>
+              <a:rPr/>
+              <a:t>How excited they were!</a:t>
+            </a:r>
+          </a:p>
+          <a:p>
+            <a:pPr lvl="0" indent="0" marL="0">
+              <a:buNone/>
+            </a:pPr>
+            <a:r>
+              <a:rPr b="1"/>
+              <a:t>They told everyone the good news. They praised God all the way back to their fields</a:t>
+            </a:r>
+            <a:r>
+              <a:rPr/>
+              <a:t>.</a:t>
             </a:r>
           </a:p>
         </p:txBody>

--- a/christmas2004.pptx
+++ b/christmas2004.pptx
@@ -18,6 +18,8 @@
     <p:sldId id="266" r:id="rId12"/>
     <p:sldId id="267" r:id="rId13"/>
     <p:sldId id="268" r:id="rId14"/>
+    <p:sldId id="269" r:id="rId15"/>
+    <p:sldId id="270" r:id="rId16"/>
   </p:sldIdLst>
   <p:sldSz cx="9144000" cy="5143500" type="screen16x9"/>
   <p:notesSz cx="6858000" cy="9144000"/>
@@ -3686,21 +3688,30 @@
           <a:bodyPr/>
           <a:lstStyle/>
           <a:p>
-            <a:pPr lvl="0" indent="0" marL="1270000">
-              <a:buNone/>
-            </a:pPr>
-            <a:r>
-              <a:rPr sz="2000"/>
-              <a:t>When Jesus was about 2 years old</a:t>
-            </a:r>
-          </a:p>
-          <a:p>
-            <a:pPr lvl="0" indent="0" marL="1270000">
-              <a:buNone/>
-            </a:pPr>
-            <a:r>
-              <a:rPr sz="2000"/>
-              <a:t>Wise men gave gifts to Jesus and worshiped him. They knew he was to be a great king.</a:t>
+            <a:pPr lvl="0" indent="0" marL="0">
+              <a:buNone/>
+            </a:pPr>
+            <a:r>
+              <a:rPr/>
+              <a:t>When Jesus was about 1 or 2 years old, some wise man followed a special star in the sky.</a:t>
+            </a:r>
+          </a:p>
+          <a:p>
+            <a:pPr lvl="0" indent="0" marL="0">
+              <a:buNone/>
+            </a:pPr>
+            <a:r>
+              <a:rPr/>
+              <a:t>It led them to the house where the little boy Jesus liver.</a:t>
+            </a:r>
+          </a:p>
+          <a:p>
+            <a:pPr lvl="0" indent="0" marL="0">
+              <a:buNone/>
+            </a:pPr>
+            <a:r>
+              <a:rPr/>
+              <a:t>The Wwise men gave gifts to Jesus: gold, frankinsense, and myrrh. They got down on their knees and worshiped him. They knew he was to be a great king.</a:t>
             </a:r>
           </a:p>
         </p:txBody>
@@ -3819,7 +3830,209 @@
             </a:pPr>
             <a:r>
               <a:rPr/>
-              <a:t>God rest ye merry gentlemen Let nothing you dismay Remember Christ our Savior Was born on Christmas Day To save us all from Satan’s pow’r When we were gone astray Oh tidings of comfort and joy Comfort and joy Oh tidings of comfort and joy God rest ye merry gentlemen Let nothing you dismay Remember Christ our Savior Was born on Christmas Day To save us all from Satan’s pow’r When we were gone astray Oh tidings of comfort and joy Comfort and joy Oh tidings of comfort and joy In Bethlehem, in Israel This blessed Babe was born And laid within a manger Upon this blessed morn The which His Mother Mary Did nothing take in scorn Oh tidings of comfort and joy Comfort and joy Oh tidings of comfort and joy Fear not then, said the Angel Let nothing you affright This day is born a Savior Of a pure Virgin bright To free all those who trust in Him From Satan’s pow’r and might Oh tidings of comfort and joy Comfort and joy Oh tidings of comfort and joy God rest ye merry gentlemen Let nothing you dismay Remember Christ our Savior Was born on Christmas Day To save us all from Satan’s pow’r When we were gone astray Oh tidings of comfort and joy Comfort and joy Oh tidings of comfort and joy</a:t>
+              <a:t>God rest ye merry gentlemen, Let nothing you dismay</a:t>
+            </a:r>
+          </a:p>
+          <a:p>
+            <a:pPr lvl="0" indent="0" marL="0">
+              <a:buNone/>
+            </a:pPr>
+            <a:r>
+              <a:rPr/>
+              <a:t>Remember Christ our Savior Was born on Christmas Day</a:t>
+            </a:r>
+          </a:p>
+          <a:p>
+            <a:pPr lvl="0" indent="0" marL="0">
+              <a:buNone/>
+            </a:pPr>
+            <a:r>
+              <a:rPr/>
+              <a:t>To save us all from Satan’s pow’r When we were gone astray</a:t>
+            </a:r>
+          </a:p>
+          <a:p>
+            <a:pPr lvl="0" indent="0" marL="0">
+              <a:buNone/>
+            </a:pPr>
+            <a:r>
+              <a:rPr/>
+              <a:t>Oh tidings of comfort and joy, Comfort and joy</a:t>
+            </a:r>
+          </a:p>
+          <a:p>
+            <a:pPr lvl="0" indent="0" marL="0">
+              <a:buNone/>
+            </a:pPr>
+            <a:r>
+              <a:rPr/>
+              <a:t>Oh tidings of comfort and joy</a:t>
+            </a:r>
+          </a:p>
+        </p:txBody>
+      </p:sp>
+    </p:spTree>
+  </p:cSld>
+</p:sld>
+</file>
+
+<file path=ppt/slides/slide14.xml><?xml version="1.0" encoding="utf-8"?>
+<p:sld xmlns:a="http://schemas.openxmlformats.org/drawingml/2006/main" xmlns:r="http://schemas.openxmlformats.org/officeDocument/2006/relationships" xmlns:p="http://schemas.openxmlformats.org/presentationml/2006/main">
+  <p:cSld>
+    <p:spTree>
+      <p:nvGrpSpPr>
+        <p:cNvPr id="1" name=""/>
+        <p:cNvGrpSpPr/>
+        <p:nvPr/>
+      </p:nvGrpSpPr>
+      <p:grpSpPr>
+        <a:xfrm>
+          <a:off x="0" y="0"/>
+          <a:ext cx="0" cy="0"/>
+          <a:chOff x="0" y="0"/>
+          <a:chExt cx="0" cy="0"/>
+        </a:xfrm>
+      </p:grpSpPr>
+      <p:sp>
+        <p:nvSpPr>
+          <p:cNvPr id="3" name="Content Placeholder 2"/>
+          <p:cNvSpPr>
+            <a:spLocks noGrp="1"/>
+          </p:cNvSpPr>
+          <p:nvPr>
+            <p:ph idx="1"/>
+          </p:nvPr>
+        </p:nvSpPr>
+        <p:spPr/>
+        <p:txBody>
+          <a:bodyPr/>
+          <a:lstStyle/>
+          <a:p>
+            <a:pPr lvl="0" indent="0" marL="0">
+              <a:buNone/>
+            </a:pPr>
+            <a:r>
+              <a:rPr/>
+              <a:t>In Bethlehem, in Israel This blessed Babe was born</a:t>
+            </a:r>
+          </a:p>
+          <a:p>
+            <a:pPr lvl="0" indent="0" marL="0">
+              <a:buNone/>
+            </a:pPr>
+            <a:r>
+              <a:rPr/>
+              <a:t>And laid within a manger. Upon this blessed morn</a:t>
+            </a:r>
+          </a:p>
+          <a:p>
+            <a:pPr lvl="0" indent="0" marL="0">
+              <a:buNone/>
+            </a:pPr>
+            <a:r>
+              <a:rPr/>
+              <a:t>The which His Mother Mary Did nothing take in scorn</a:t>
+            </a:r>
+          </a:p>
+          <a:p>
+            <a:pPr lvl="0" indent="0" marL="0">
+              <a:buNone/>
+            </a:pPr>
+            <a:r>
+              <a:rPr/>
+              <a:t>Oh tidings of comfort and joy, Comfort and joy</a:t>
+            </a:r>
+          </a:p>
+          <a:p>
+            <a:pPr lvl="0" indent="0" marL="0">
+              <a:buNone/>
+            </a:pPr>
+            <a:r>
+              <a:rPr/>
+              <a:t>Oh tidings of comfort and joy</a:t>
+            </a:r>
+          </a:p>
+        </p:txBody>
+      </p:sp>
+    </p:spTree>
+  </p:cSld>
+</p:sld>
+</file>
+
+<file path=ppt/slides/slide15.xml><?xml version="1.0" encoding="utf-8"?>
+<p:sld xmlns:a="http://schemas.openxmlformats.org/drawingml/2006/main" xmlns:r="http://schemas.openxmlformats.org/officeDocument/2006/relationships" xmlns:p="http://schemas.openxmlformats.org/presentationml/2006/main">
+  <p:cSld>
+    <p:spTree>
+      <p:nvGrpSpPr>
+        <p:cNvPr id="1" name=""/>
+        <p:cNvGrpSpPr/>
+        <p:nvPr/>
+      </p:nvGrpSpPr>
+      <p:grpSpPr>
+        <a:xfrm>
+          <a:off x="0" y="0"/>
+          <a:ext cx="0" cy="0"/>
+          <a:chOff x="0" y="0"/>
+          <a:chExt cx="0" cy="0"/>
+        </a:xfrm>
+      </p:grpSpPr>
+      <p:sp>
+        <p:nvSpPr>
+          <p:cNvPr id="3" name="Content Placeholder 2"/>
+          <p:cNvSpPr>
+            <a:spLocks noGrp="1"/>
+          </p:cNvSpPr>
+          <p:nvPr>
+            <p:ph idx="1"/>
+          </p:nvPr>
+        </p:nvSpPr>
+        <p:spPr/>
+        <p:txBody>
+          <a:bodyPr/>
+          <a:lstStyle/>
+          <a:p>
+            <a:pPr lvl="0" indent="0" marL="0">
+              <a:buNone/>
+            </a:pPr>
+            <a:r>
+              <a:rPr/>
+              <a:t>Fear not then, said the Angel Let nothing you affright</a:t>
+            </a:r>
+          </a:p>
+          <a:p>
+            <a:pPr lvl="0" indent="0" marL="0">
+              <a:buNone/>
+            </a:pPr>
+            <a:r>
+              <a:rPr/>
+              <a:t>This day is born a Savior Of a pure Virgin bright</a:t>
+            </a:r>
+          </a:p>
+          <a:p>
+            <a:pPr lvl="0" indent="0" marL="0">
+              <a:buNone/>
+            </a:pPr>
+            <a:r>
+              <a:rPr/>
+              <a:t>To free all those who trust in Him From Satan’s pow’r and might</a:t>
+            </a:r>
+          </a:p>
+          <a:p>
+            <a:pPr lvl="0" indent="0" marL="0">
+              <a:buNone/>
+            </a:pPr>
+            <a:r>
+              <a:rPr/>
+              <a:t>Oh tidings of comfort and joy. Comfort and joy</a:t>
+            </a:r>
+          </a:p>
+          <a:p>
+            <a:pPr lvl="0" indent="0" marL="0">
+              <a:buNone/>
+            </a:pPr>
+            <a:r>
+              <a:rPr/>
+              <a:t>Oh tidings of comfort and joy</a:t>
             </a:r>
           </a:p>
         </p:txBody>
@@ -3971,7 +4184,7 @@
             </a:pPr>
             <a:r>
               <a:rPr/>
-              <a:t>THis is how the birth of Jesus came about:</a:t>
+              <a:t>This is how the birth of Jesus came about:</a:t>
             </a:r>
           </a:p>
           <a:p>

--- a/christmas2004.pptx
+++ b/christmas2004.pptx
@@ -20,6 +20,7 @@
     <p:sldId id="268" r:id="rId14"/>
     <p:sldId id="269" r:id="rId15"/>
     <p:sldId id="270" r:id="rId16"/>
+    <p:sldId id="271" r:id="rId17"/>
   </p:sldIdLst>
   <p:sldSz cx="9144000" cy="5143500" type="screen16x9"/>
   <p:notesSz cx="6858000" cy="9144000"/>
@@ -3522,31 +3523,6 @@
       </p:grpSpPr>
       <p:sp>
         <p:nvSpPr>
-          <p:cNvPr id="2" name="Title 1"/>
-          <p:cNvSpPr>
-            <a:spLocks noGrp="1"/>
-          </p:cNvSpPr>
-          <p:nvPr>
-            <p:ph type="title"/>
-          </p:nvPr>
-        </p:nvSpPr>
-        <p:spPr/>
-        <p:txBody>
-          <a:bodyPr/>
-          <a:lstStyle/>
-          <a:p>
-            <a:pPr lvl="0" indent="0" marL="0">
-              <a:buNone/>
-            </a:pPr>
-            <a:r>
-              <a:rPr/>
-              <a:t>O Come All ye Faithful</a:t>
-            </a:r>
-          </a:p>
-        </p:txBody>
-      </p:sp>
-      <p:sp>
-        <p:nvSpPr>
           <p:cNvPr id="3" name="Content Placeholder 2"/>
           <p:cNvSpPr>
             <a:spLocks noGrp="1"/>
@@ -3565,63 +3541,46 @@
             </a:pPr>
             <a:r>
               <a:rPr/>
-              <a:t>O come, all ye faithful, joyful and triumphant</a:t>
-            </a:r>
-          </a:p>
-          <a:p>
-            <a:pPr lvl="0" indent="0" marL="0">
-              <a:buNone/>
-            </a:pPr>
-            <a:r>
-              <a:rPr/>
-              <a:t>O come ye, o come ye to Bethlehem</a:t>
-            </a:r>
-          </a:p>
-          <a:p>
-            <a:pPr lvl="0" indent="0" marL="0">
-              <a:buNone/>
-            </a:pPr>
-            <a:r>
-              <a:rPr/>
-              <a:t>O come and behold Him, born the King of Angels</a:t>
-            </a:r>
-          </a:p>
-          <a:p>
-            <a:pPr lvl="0" indent="0" marL="0">
-              <a:buNone/>
-            </a:pPr>
-            <a:r>
-              <a:rPr/>
-              <a:t>O come, let us adore Him x2</a:t>
-            </a:r>
-          </a:p>
-          <a:p>
-            <a:pPr lvl="0" indent="0" marL="0">
-              <a:buNone/>
-            </a:pPr>
-            <a:r>
-              <a:rPr/>
-              <a:t>O come, let us adore Him, Christ the Lord</a:t>
-            </a:r>
-            <a:br/>
-            <a:br/>
-          </a:p>
-          <a:p>
-            <a:pPr lvl="0" indent="0" marL="0">
-              <a:buNone/>
-            </a:pPr>
-            <a:r>
-              <a:rPr/>
-              <a:t>O come, all ye faithful x2</a:t>
-            </a:r>
-          </a:p>
-          <a:p>
-            <a:pPr lvl="0" indent="0" marL="0">
-              <a:buNone/>
-            </a:pPr>
-            <a:r>
-              <a:rPr/>
-              <a:t>O come, all ye faithful to Bethlehem</a:t>
+              <a:t>When the angels left, the shepherds ran to Bethlehem. </a:t>
+            </a:r>
+            <a:r>
+              <a:rPr i="1"/>
+              <a:t>“Let’s see if we can find this baby”</a:t>
+            </a:r>
+            <a:r>
+              <a:rPr/>
+              <a:t> they said.</a:t>
+            </a:r>
+          </a:p>
+          <a:p>
+            <a:pPr lvl="0" indent="0" marL="0">
+              <a:buNone/>
+            </a:pPr>
+            <a:r>
+              <a:rPr/>
+              <a:t>When they found Jesus lying in a manger, they worshipped him.</a:t>
+            </a:r>
+          </a:p>
+          <a:p>
+            <a:pPr lvl="0" indent="0" marL="0">
+              <a:buNone/>
+            </a:pPr>
+            <a:r>
+              <a:rPr/>
+              <a:t>How excited they were!</a:t>
+            </a:r>
+          </a:p>
+          <a:p>
+            <a:pPr lvl="0" indent="0" marL="0">
+              <a:buNone/>
+            </a:pPr>
+            <a:r>
+              <a:rPr b="1"/>
+              <a:t>They told everyone the good news. They praised God all the way back to their fields</a:t>
+            </a:r>
+            <a:r>
+              <a:rPr/>
+              <a:t>.</a:t>
             </a:r>
           </a:p>
         </p:txBody>
@@ -3668,7 +3627,7 @@
             </a:pPr>
             <a:r>
               <a:rPr/>
-              <a:t>Coda</a:t>
+              <a:t>O Come All ye Faithful</a:t>
             </a:r>
           </a:p>
         </p:txBody>
@@ -3693,25 +3652,63 @@
             </a:pPr>
             <a:r>
               <a:rPr/>
-              <a:t>When Jesus was about 1 or 2 years old, some wise man followed a special star in the sky.</a:t>
-            </a:r>
-          </a:p>
-          <a:p>
-            <a:pPr lvl="0" indent="0" marL="0">
-              <a:buNone/>
-            </a:pPr>
-            <a:r>
-              <a:rPr/>
-              <a:t>It led them to the house where the little boy Jesus liver.</a:t>
-            </a:r>
-          </a:p>
-          <a:p>
-            <a:pPr lvl="0" indent="0" marL="0">
-              <a:buNone/>
-            </a:pPr>
-            <a:r>
-              <a:rPr/>
-              <a:t>The Wwise men gave gifts to Jesus: gold, frankinsense, and myrrh. They got down on their knees and worshiped him. They knew he was to be a great king.</a:t>
+              <a:t>O come, all ye faithful, joyful and triumphant</a:t>
+            </a:r>
+          </a:p>
+          <a:p>
+            <a:pPr lvl="0" indent="0" marL="0">
+              <a:buNone/>
+            </a:pPr>
+            <a:r>
+              <a:rPr/>
+              <a:t>O come ye, o come ye to Bethlehem</a:t>
+            </a:r>
+          </a:p>
+          <a:p>
+            <a:pPr lvl="0" indent="0" marL="0">
+              <a:buNone/>
+            </a:pPr>
+            <a:r>
+              <a:rPr/>
+              <a:t>O come and behold Him, born the King of Angels</a:t>
+            </a:r>
+          </a:p>
+          <a:p>
+            <a:pPr lvl="0" indent="0" marL="0">
+              <a:buNone/>
+            </a:pPr>
+            <a:r>
+              <a:rPr/>
+              <a:t>O come, let us adore Him x2</a:t>
+            </a:r>
+          </a:p>
+          <a:p>
+            <a:pPr lvl="0" indent="0" marL="0">
+              <a:buNone/>
+            </a:pPr>
+            <a:r>
+              <a:rPr/>
+              <a:t>O come, let us adore Him, Christ the Lord</a:t>
+            </a:r>
+            <a:br/>
+            <a:br/>
+          </a:p>
+          <a:p>
+            <a:pPr lvl="0" indent="0" marL="0">
+              <a:buNone/>
+            </a:pPr>
+            <a:r>
+              <a:rPr/>
+              <a:t>O come, all ye faithful x2</a:t>
+            </a:r>
+          </a:p>
+          <a:p>
+            <a:pPr lvl="0" indent="0" marL="0">
+              <a:buNone/>
+            </a:pPr>
+            <a:r>
+              <a:rPr/>
+              <a:t>O come, all ye faithful to Bethlehem</a:t>
             </a:r>
           </a:p>
         </p:txBody>
@@ -3758,7 +3755,50 @@
             </a:pPr>
             <a:r>
               <a:rPr/>
-              <a:t>We Three Kings of Orient Are</a:t>
+              <a:t>Coda</a:t>
+            </a:r>
+          </a:p>
+        </p:txBody>
+      </p:sp>
+      <p:sp>
+        <p:nvSpPr>
+          <p:cNvPr id="3" name="Content Placeholder 2"/>
+          <p:cNvSpPr>
+            <a:spLocks noGrp="1"/>
+          </p:cNvSpPr>
+          <p:nvPr>
+            <p:ph idx="1"/>
+          </p:nvPr>
+        </p:nvSpPr>
+        <p:spPr/>
+        <p:txBody>
+          <a:bodyPr/>
+          <a:lstStyle/>
+          <a:p>
+            <a:pPr lvl="0" indent="0" marL="0">
+              <a:buNone/>
+            </a:pPr>
+            <a:r>
+              <a:rPr/>
+              <a:t>When Jesus was about 1 or 2 years old, some wise man followed a special star in the sky.</a:t>
+            </a:r>
+          </a:p>
+          <a:p>
+            <a:pPr lvl="0" indent="0" marL="0">
+              <a:buNone/>
+            </a:pPr>
+            <a:r>
+              <a:rPr/>
+              <a:t>It led them to the house where the little boy Jesus liver.</a:t>
+            </a:r>
+          </a:p>
+          <a:p>
+            <a:pPr lvl="0" indent="0" marL="0">
+              <a:buNone/>
+            </a:pPr>
+            <a:r>
+              <a:rPr/>
+              <a:t>The Wwise men gave gifts to Jesus: gold, frankinsense, and myrrh. They got down on their knees and worshiped him. They knew he was to be a great king.</a:t>
             </a:r>
           </a:p>
         </p:txBody>
@@ -3805,68 +3845,7 @@
             </a:pPr>
             <a:r>
               <a:rPr/>
-              <a:t>God Rest Ye Merry Gentlemen</a:t>
-            </a:r>
-          </a:p>
-        </p:txBody>
-      </p:sp>
-      <p:sp>
-        <p:nvSpPr>
-          <p:cNvPr id="3" name="Content Placeholder 2"/>
-          <p:cNvSpPr>
-            <a:spLocks noGrp="1"/>
-          </p:cNvSpPr>
-          <p:nvPr>
-            <p:ph idx="1"/>
-          </p:nvPr>
-        </p:nvSpPr>
-        <p:spPr/>
-        <p:txBody>
-          <a:bodyPr/>
-          <a:lstStyle/>
-          <a:p>
-            <a:pPr lvl="0" indent="0" marL="0">
-              <a:buNone/>
-            </a:pPr>
-            <a:r>
-              <a:rPr/>
-              <a:t>God rest ye merry gentlemen, Let nothing you dismay</a:t>
-            </a:r>
-          </a:p>
-          <a:p>
-            <a:pPr lvl="0" indent="0" marL="0">
-              <a:buNone/>
-            </a:pPr>
-            <a:r>
-              <a:rPr/>
-              <a:t>Remember Christ our Savior Was born on Christmas Day</a:t>
-            </a:r>
-          </a:p>
-          <a:p>
-            <a:pPr lvl="0" indent="0" marL="0">
-              <a:buNone/>
-            </a:pPr>
-            <a:r>
-              <a:rPr/>
-              <a:t>To save us all from Satan’s pow’r When we were gone astray</a:t>
-            </a:r>
-          </a:p>
-          <a:p>
-            <a:pPr lvl="0" indent="0" marL="0">
-              <a:buNone/>
-            </a:pPr>
-            <a:r>
-              <a:rPr/>
-              <a:t>Oh tidings of comfort and joy, Comfort and joy</a:t>
-            </a:r>
-          </a:p>
-          <a:p>
-            <a:pPr lvl="0" indent="0" marL="0">
-              <a:buNone/>
-            </a:pPr>
-            <a:r>
-              <a:rPr/>
-              <a:t>Oh tidings of comfort and joy</a:t>
+              <a:t>We Three Kings of Orient Are</a:t>
             </a:r>
           </a:p>
         </p:txBody>
@@ -3895,6 +3874,31 @@
       </p:grpSpPr>
       <p:sp>
         <p:nvSpPr>
+          <p:cNvPr id="2" name="Title 1"/>
+          <p:cNvSpPr>
+            <a:spLocks noGrp="1"/>
+          </p:cNvSpPr>
+          <p:nvPr>
+            <p:ph type="title"/>
+          </p:nvPr>
+        </p:nvSpPr>
+        <p:spPr/>
+        <p:txBody>
+          <a:bodyPr/>
+          <a:lstStyle/>
+          <a:p>
+            <a:pPr lvl="0" indent="0" marL="0">
+              <a:buNone/>
+            </a:pPr>
+            <a:r>
+              <a:rPr/>
+              <a:t>God Rest Ye Merry Gentlemen</a:t>
+            </a:r>
+          </a:p>
+        </p:txBody>
+      </p:sp>
+      <p:sp>
+        <p:nvSpPr>
           <p:cNvPr id="3" name="Content Placeholder 2"/>
           <p:cNvSpPr>
             <a:spLocks noGrp="1"/>
@@ -3913,25 +3917,25 @@
             </a:pPr>
             <a:r>
               <a:rPr/>
-              <a:t>In Bethlehem, in Israel This blessed Babe was born</a:t>
-            </a:r>
-          </a:p>
-          <a:p>
-            <a:pPr lvl="0" indent="0" marL="0">
-              <a:buNone/>
-            </a:pPr>
-            <a:r>
-              <a:rPr/>
-              <a:t>And laid within a manger. Upon this blessed morn</a:t>
-            </a:r>
-          </a:p>
-          <a:p>
-            <a:pPr lvl="0" indent="0" marL="0">
-              <a:buNone/>
-            </a:pPr>
-            <a:r>
-              <a:rPr/>
-              <a:t>The which His Mother Mary Did nothing take in scorn</a:t>
+              <a:t>God rest ye merry gentlemen, Let nothing you dismay</a:t>
+            </a:r>
+          </a:p>
+          <a:p>
+            <a:pPr lvl="0" indent="0" marL="0">
+              <a:buNone/>
+            </a:pPr>
+            <a:r>
+              <a:rPr/>
+              <a:t>Remember Christ our Savior Was born on Christmas Day</a:t>
+            </a:r>
+          </a:p>
+          <a:p>
+            <a:pPr lvl="0" indent="0" marL="0">
+              <a:buNone/>
+            </a:pPr>
+            <a:r>
+              <a:rPr/>
+              <a:t>To save us all from Satan’s pow’r When we were gone astray</a:t>
             </a:r>
           </a:p>
           <a:p>
@@ -3996,6 +4000,89 @@
             </a:pPr>
             <a:r>
               <a:rPr/>
+              <a:t>In Bethlehem, in Israel This blessed Babe was born</a:t>
+            </a:r>
+          </a:p>
+          <a:p>
+            <a:pPr lvl="0" indent="0" marL="0">
+              <a:buNone/>
+            </a:pPr>
+            <a:r>
+              <a:rPr/>
+              <a:t>And laid within a manger. Upon this blessed morn</a:t>
+            </a:r>
+          </a:p>
+          <a:p>
+            <a:pPr lvl="0" indent="0" marL="0">
+              <a:buNone/>
+            </a:pPr>
+            <a:r>
+              <a:rPr/>
+              <a:t>The which His Mother Mary Did nothing take in scorn</a:t>
+            </a:r>
+          </a:p>
+          <a:p>
+            <a:pPr lvl="0" indent="0" marL="0">
+              <a:buNone/>
+            </a:pPr>
+            <a:r>
+              <a:rPr/>
+              <a:t>Oh tidings of comfort and joy, Comfort and joy</a:t>
+            </a:r>
+          </a:p>
+          <a:p>
+            <a:pPr lvl="0" indent="0" marL="0">
+              <a:buNone/>
+            </a:pPr>
+            <a:r>
+              <a:rPr/>
+              <a:t>Oh tidings of comfort and joy</a:t>
+            </a:r>
+          </a:p>
+        </p:txBody>
+      </p:sp>
+    </p:spTree>
+  </p:cSld>
+</p:sld>
+</file>
+
+<file path=ppt/slides/slide16.xml><?xml version="1.0" encoding="utf-8"?>
+<p:sld xmlns:a="http://schemas.openxmlformats.org/drawingml/2006/main" xmlns:r="http://schemas.openxmlformats.org/officeDocument/2006/relationships" xmlns:p="http://schemas.openxmlformats.org/presentationml/2006/main">
+  <p:cSld>
+    <p:spTree>
+      <p:nvGrpSpPr>
+        <p:cNvPr id="1" name=""/>
+        <p:cNvGrpSpPr/>
+        <p:nvPr/>
+      </p:nvGrpSpPr>
+      <p:grpSpPr>
+        <a:xfrm>
+          <a:off x="0" y="0"/>
+          <a:ext cx="0" cy="0"/>
+          <a:chOff x="0" y="0"/>
+          <a:chExt cx="0" cy="0"/>
+        </a:xfrm>
+      </p:grpSpPr>
+      <p:sp>
+        <p:nvSpPr>
+          <p:cNvPr id="3" name="Content Placeholder 2"/>
+          <p:cNvSpPr>
+            <a:spLocks noGrp="1"/>
+          </p:cNvSpPr>
+          <p:nvPr>
+            <p:ph idx="1"/>
+          </p:nvPr>
+        </p:nvSpPr>
+        <p:spPr/>
+        <p:txBody>
+          <a:bodyPr/>
+          <a:lstStyle/>
+          <a:p>
+            <a:pPr lvl="0" indent="0" marL="0">
+              <a:buNone/>
+            </a:pPr>
+            <a:r>
+              <a:rPr/>
               <a:t>Fear not then, said the Angel Let nothing you affright</a:t>
             </a:r>
           </a:p>
@@ -4206,20 +4293,20 @@
             </a:r>
           </a:p>
           <a:p>
-            <a:pPr lvl="0" indent="0" marL="1270000">
-              <a:buNone/>
-            </a:pPr>
-            <a:r>
-              <a:rPr sz="2000"/>
+            <a:pPr lvl="0" indent="0" marL="0">
+              <a:buNone/>
+            </a:pPr>
+            <a:r>
+              <a:rPr i="1"/>
               <a:t>Do not be afraid, Mary. God wants you to be the mother of his Son.</a:t>
             </a:r>
           </a:p>
           <a:p>
-            <a:pPr lvl="0" indent="0" marL="1270000">
-              <a:buNone/>
-            </a:pPr>
-            <a:r>
-              <a:rPr sz="2000"/>
+            <a:pPr lvl="0" indent="0" marL="0">
+              <a:buNone/>
+            </a:pPr>
+            <a:r>
+              <a:rPr i="1"/>
               <a:t>You are to give him the name Jesus because he will save his people from their sins</a:t>
             </a:r>
           </a:p>
@@ -4239,69 +4326,6 @@
             <a:r>
               <a:rPr/>
               <a:t>Mary was very happy to become Jesus’ mother</a:t>
-            </a:r>
-          </a:p>
-          <a:p>
-            <a:pPr lvl="0" indent="0" marL="0">
-              <a:buNone/>
-            </a:pPr>
-            <a:r>
-              <a:rPr/>
-              <a:t>Now May was a virgin, promised to be married to a man named Joseph.</a:t>
-            </a:r>
-          </a:p>
-          <a:p>
-            <a:pPr lvl="0" indent="0" marL="0">
-              <a:buNone/>
-            </a:pPr>
-            <a:r>
-              <a:rPr/>
-              <a:t>One day, Mary and Joseph had to take a trip.</a:t>
-            </a:r>
-          </a:p>
-          <a:p>
-            <a:pPr lvl="0" indent="0" marL="0">
-              <a:buNone/>
-            </a:pPr>
-            <a:r>
-              <a:rPr/>
-              <a:t>They came to the town of Bethlemah. They looked for a place to sleep as she was expecting a child, but there were many people and there was no room for thim at the Inn.</a:t>
-            </a:r>
-          </a:p>
-          <a:p>
-            <a:pPr lvl="0" indent="0" marL="0">
-              <a:buNone/>
-            </a:pPr>
-            <a:r>
-              <a:rPr/>
-              <a:t>Finally, the innkeeper said that they could stay in his stable with the animals.</a:t>
-            </a:r>
-          </a:p>
-          <a:p>
-            <a:pPr lvl="0" indent="0" marL="0">
-              <a:buNone/>
-            </a:pPr>
-            <a:r>
-              <a:rPr/>
-              <a:t>Joseph made a soft bed for Mary. They lay down to sleep.</a:t>
-            </a:r>
-          </a:p>
-          <a:p>
-            <a:pPr lvl="0" indent="0" marL="0">
-              <a:buNone/>
-            </a:pPr>
-            <a:r>
-              <a:rPr/>
-              <a:t>God’s son was born that night.</a:t>
-            </a:r>
-          </a:p>
-          <a:p>
-            <a:pPr lvl="0" indent="0" marL="0">
-              <a:buNone/>
-            </a:pPr>
-            <a:r>
-              <a:rPr b="1"/>
-              <a:t>Mary wrapped him in soft cloths and laid him in a manger. She named her baby Jesus</a:t>
             </a:r>
           </a:p>
         </p:txBody>
@@ -4330,31 +4354,6 @@
       </p:grpSpPr>
       <p:sp>
         <p:nvSpPr>
-          <p:cNvPr id="2" name="Title 1"/>
-          <p:cNvSpPr>
-            <a:spLocks noGrp="1"/>
-          </p:cNvSpPr>
-          <p:nvPr>
-            <p:ph type="title"/>
-          </p:nvPr>
-        </p:nvSpPr>
-        <p:spPr/>
-        <p:txBody>
-          <a:bodyPr/>
-          <a:lstStyle/>
-          <a:p>
-            <a:pPr lvl="0" indent="0" marL="0">
-              <a:buNone/>
-            </a:pPr>
-            <a:r>
-              <a:rPr/>
-              <a:t>Away in an Manger</a:t>
-            </a:r>
-          </a:p>
-        </p:txBody>
-      </p:sp>
-      <p:sp>
-        <p:nvSpPr>
           <p:cNvPr id="3" name="Content Placeholder 2"/>
           <p:cNvSpPr>
             <a:spLocks noGrp="1"/>
@@ -4373,34 +4372,61 @@
             </a:pPr>
             <a:r>
               <a:rPr/>
-              <a:t>Away in a manger, no crib for a bed</a:t>
-            </a:r>
-          </a:p>
-          <a:p>
-            <a:pPr lvl="0" indent="0" marL="0">
-              <a:buNone/>
-            </a:pPr>
-            <a:r>
-              <a:rPr/>
-              <a:t>The little Lord Jesus laid down His sweet head</a:t>
-            </a:r>
-          </a:p>
-          <a:p>
-            <a:pPr lvl="0" indent="0" marL="0">
-              <a:buNone/>
-            </a:pPr>
-            <a:r>
-              <a:rPr/>
-              <a:t>The stars in the bright sky looked down where He lay</a:t>
-            </a:r>
-          </a:p>
-          <a:p>
-            <a:pPr lvl="0" indent="0" marL="0">
-              <a:buNone/>
-            </a:pPr>
-            <a:r>
-              <a:rPr/>
-              <a:t>The little Lord Jesus asleep on the hay</a:t>
+              <a:t>Now May was a virgin, promised to be married to a man named Joseph.</a:t>
+            </a:r>
+          </a:p>
+          <a:p>
+            <a:pPr lvl="0" indent="0" marL="0">
+              <a:buNone/>
+            </a:pPr>
+            <a:r>
+              <a:rPr/>
+              <a:t>One day, Mary and Joseph had to take a trip.</a:t>
+            </a:r>
+          </a:p>
+          <a:p>
+            <a:pPr lvl="0" indent="0" marL="0">
+              <a:buNone/>
+            </a:pPr>
+            <a:r>
+              <a:rPr/>
+              <a:t>They came to the town of Bethlehem. They looked for a place to sleep as she was expecting a child, but there were many people and there was no room for thim at the Inn.</a:t>
+            </a:r>
+          </a:p>
+          <a:p>
+            <a:pPr lvl="0" indent="0" marL="0">
+              <a:buNone/>
+            </a:pPr>
+            <a:r>
+              <a:rPr/>
+              <a:t>Finally, the innkeeper said that they could stay in his stable with the animals.</a:t>
+            </a:r>
+          </a:p>
+          <a:p>
+            <a:pPr lvl="0" indent="0" marL="0">
+              <a:buNone/>
+            </a:pPr>
+            <a:r>
+              <a:rPr/>
+              <a:t>Joseph made a soft bed for Mary. They lay down to sleep.</a:t>
+            </a:r>
+          </a:p>
+          <a:p>
+            <a:pPr lvl="0" indent="0" marL="0">
+              <a:buNone/>
+            </a:pPr>
+            <a:r>
+              <a:rPr/>
+              <a:t>God’s son was born that night.</a:t>
+            </a:r>
+          </a:p>
+          <a:p>
+            <a:pPr lvl="0" indent="0" marL="0">
+              <a:buNone/>
+            </a:pPr>
+            <a:r>
+              <a:rPr b="1"/>
+              <a:t>Mary wrapped him in soft cloths and laid him in a manger. She named her baby Jesus</a:t>
             </a:r>
           </a:p>
         </p:txBody>
@@ -4429,6 +4455,31 @@
       </p:grpSpPr>
       <p:sp>
         <p:nvSpPr>
+          <p:cNvPr id="2" name="Title 1"/>
+          <p:cNvSpPr>
+            <a:spLocks noGrp="1"/>
+          </p:cNvSpPr>
+          <p:nvPr>
+            <p:ph type="title"/>
+          </p:nvPr>
+        </p:nvSpPr>
+        <p:spPr/>
+        <p:txBody>
+          <a:bodyPr/>
+          <a:lstStyle/>
+          <a:p>
+            <a:pPr lvl="0" indent="0" marL="0">
+              <a:buNone/>
+            </a:pPr>
+            <a:r>
+              <a:rPr/>
+              <a:t>Away in an Manger</a:t>
+            </a:r>
+          </a:p>
+        </p:txBody>
+      </p:sp>
+      <p:sp>
+        <p:nvSpPr>
           <p:cNvPr id="3" name="Content Placeholder 2"/>
           <p:cNvSpPr>
             <a:spLocks noGrp="1"/>
@@ -4447,29 +4498,34 @@
             </a:pPr>
             <a:r>
               <a:rPr/>
-              <a:t>One the night Jesus was bor, some shephers were in the field taking care of their sheep.</a:t>
-            </a:r>
-          </a:p>
-          <a:p>
-            <a:pPr lvl="0" indent="0" marL="0">
-              <a:buNone/>
-            </a:pPr>
-            <a:r>
-              <a:rPr/>
-              <a:t>Suddenly, an angel appeared. The shepherds were afraid.</a:t>
-            </a:r>
-          </a:p>
-          <a:p>
-            <a:pPr lvl="0" indent="0" marL="0">
-              <a:buNone/>
-            </a:pPr>
-            <a:r>
-              <a:rPr/>
-              <a:t>But the angel said </a:t>
-            </a:r>
-            <a:r>
-              <a:rPr b="1"/>
-              <a:t>Do not be afraid. A savior is born in Bethleham. You will find him wrapped in swaddling clothes and lying in a manger</a:t>
+              <a:t>Away in a manger, no crib for a bed</a:t>
+            </a:r>
+          </a:p>
+          <a:p>
+            <a:pPr lvl="0" indent="0" marL="0">
+              <a:buNone/>
+            </a:pPr>
+            <a:r>
+              <a:rPr/>
+              <a:t>The little Lord Jesus laid down His sweet head</a:t>
+            </a:r>
+          </a:p>
+          <a:p>
+            <a:pPr lvl="0" indent="0" marL="0">
+              <a:buNone/>
+            </a:pPr>
+            <a:r>
+              <a:rPr/>
+              <a:t>The stars in the bright sky looked down where He lay</a:t>
+            </a:r>
+          </a:p>
+          <a:p>
+            <a:pPr lvl="0" indent="0" marL="0">
+              <a:buNone/>
+            </a:pPr>
+            <a:r>
+              <a:rPr/>
+              <a:t>The little Lord Jesus asleep on the hay</a:t>
             </a:r>
           </a:p>
         </p:txBody>
@@ -4498,31 +4554,6 @@
       </p:grpSpPr>
       <p:sp>
         <p:nvSpPr>
-          <p:cNvPr id="2" name="Title 1"/>
-          <p:cNvSpPr>
-            <a:spLocks noGrp="1"/>
-          </p:cNvSpPr>
-          <p:nvPr>
-            <p:ph type="title"/>
-          </p:nvPr>
-        </p:nvSpPr>
-        <p:spPr/>
-        <p:txBody>
-          <a:bodyPr/>
-          <a:lstStyle/>
-          <a:p>
-            <a:pPr lvl="0" indent="0" marL="0">
-              <a:buNone/>
-            </a:pPr>
-            <a:r>
-              <a:rPr/>
-              <a:t>First Noel</a:t>
-            </a:r>
-          </a:p>
-        </p:txBody>
-      </p:sp>
-      <p:sp>
-        <p:nvSpPr>
           <p:cNvPr id="3" name="Content Placeholder 2"/>
           <p:cNvSpPr>
             <a:spLocks noGrp="1"/>
@@ -4541,49 +4572,29 @@
             </a:pPr>
             <a:r>
               <a:rPr/>
-              <a:t>The first Noel the angel did say</a:t>
-            </a:r>
-          </a:p>
-          <a:p>
-            <a:pPr lvl="0" indent="0" marL="0">
-              <a:buNone/>
-            </a:pPr>
-            <a:r>
-              <a:rPr/>
-              <a:t>was to certain poor shepherds in fields as they lay;</a:t>
-            </a:r>
-          </a:p>
-          <a:p>
-            <a:pPr lvl="0" indent="0" marL="0">
-              <a:buNone/>
-            </a:pPr>
-            <a:r>
-              <a:rPr/>
-              <a:t>In fields where they lay tending their sheep,</a:t>
-            </a:r>
-          </a:p>
-          <a:p>
-            <a:pPr lvl="0" indent="0" marL="0">
-              <a:buNone/>
-            </a:pPr>
-            <a:r>
-              <a:rPr/>
-              <a:t>On a cold win­ter’s night that was so deep.</a:t>
-            </a:r>
-            <a:br/>
-            <a:br/>
-            <a:r>
-              <a:rPr/>
-              <a:t>Noel, Noel, Noel, Noel.</a:t>
-            </a:r>
-          </a:p>
-          <a:p>
-            <a:pPr lvl="0" indent="0" marL="0">
-              <a:buNone/>
-            </a:pPr>
-            <a:r>
-              <a:rPr/>
-              <a:t>Born is the King of Israel</a:t>
+              <a:t>One the night Jesus was bor, some shephers were in the field taking care of their sheep.</a:t>
+            </a:r>
+          </a:p>
+          <a:p>
+            <a:pPr lvl="0" indent="0" marL="0">
+              <a:buNone/>
+            </a:pPr>
+            <a:r>
+              <a:rPr/>
+              <a:t>Suddenly, an angel appeared. The shepherds were afraid.</a:t>
+            </a:r>
+          </a:p>
+          <a:p>
+            <a:pPr lvl="0" indent="0" marL="0">
+              <a:buNone/>
+            </a:pPr>
+            <a:r>
+              <a:rPr/>
+              <a:t>But the angel said </a:t>
+            </a:r>
+            <a:r>
+              <a:rPr b="1"/>
+              <a:t>Do not be afraid. A savior is born in Bethleham. You will find him wrapped in swaddling clothes and lying in a manger</a:t>
             </a:r>
           </a:p>
         </p:txBody>
@@ -4612,6 +4623,31 @@
       </p:grpSpPr>
       <p:sp>
         <p:nvSpPr>
+          <p:cNvPr id="2" name="Title 1"/>
+          <p:cNvSpPr>
+            <a:spLocks noGrp="1"/>
+          </p:cNvSpPr>
+          <p:nvPr>
+            <p:ph type="title"/>
+          </p:nvPr>
+        </p:nvSpPr>
+        <p:spPr/>
+        <p:txBody>
+          <a:bodyPr/>
+          <a:lstStyle/>
+          <a:p>
+            <a:pPr lvl="0" indent="0" marL="0">
+              <a:buNone/>
+            </a:pPr>
+            <a:r>
+              <a:rPr/>
+              <a:t>First Noel</a:t>
+            </a:r>
+          </a:p>
+        </p:txBody>
+      </p:sp>
+      <p:sp>
+        <p:nvSpPr>
           <p:cNvPr id="3" name="Content Placeholder 2"/>
           <p:cNvSpPr>
             <a:spLocks noGrp="1"/>
@@ -4630,16 +4666,49 @@
             </a:pPr>
             <a:r>
               <a:rPr/>
-              <a:t>Suddenly thousands of ag=ngels appeared in the sky</a:t>
-            </a:r>
-          </a:p>
-          <a:p>
-            <a:pPr lvl="0" indent="0" marL="0">
-              <a:buNone/>
-            </a:pPr>
-            <a:r>
-              <a:rPr b="1"/>
-              <a:t>They praise God for sending Jesus to be our savior, saying “Glory to God in the highest. And on earth peace, goodwill toward men.”</a:t>
+              <a:t>The first Noel the angel did say</a:t>
+            </a:r>
+          </a:p>
+          <a:p>
+            <a:pPr lvl="0" indent="0" marL="0">
+              <a:buNone/>
+            </a:pPr>
+            <a:r>
+              <a:rPr/>
+              <a:t>was to certain poor shepherds in fields as they lay;</a:t>
+            </a:r>
+          </a:p>
+          <a:p>
+            <a:pPr lvl="0" indent="0" marL="0">
+              <a:buNone/>
+            </a:pPr>
+            <a:r>
+              <a:rPr/>
+              <a:t>In fields where they lay tending their sheep,</a:t>
+            </a:r>
+          </a:p>
+          <a:p>
+            <a:pPr lvl="0" indent="0" marL="0">
+              <a:buNone/>
+            </a:pPr>
+            <a:r>
+              <a:rPr/>
+              <a:t>On a cold win­ter’s night that was so deep.</a:t>
+            </a:r>
+            <a:br/>
+            <a:br/>
+            <a:r>
+              <a:rPr/>
+              <a:t>Noel, Noel, Noel, Noel.</a:t>
+            </a:r>
+          </a:p>
+          <a:p>
+            <a:pPr lvl="0" indent="0" marL="0">
+              <a:buNone/>
+            </a:pPr>
+            <a:r>
+              <a:rPr/>
+              <a:t>Born is the King of Israel</a:t>
             </a:r>
           </a:p>
         </p:txBody>
@@ -4668,31 +4737,6 @@
       </p:grpSpPr>
       <p:sp>
         <p:nvSpPr>
-          <p:cNvPr id="2" name="Title 1"/>
-          <p:cNvSpPr>
-            <a:spLocks noGrp="1"/>
-          </p:cNvSpPr>
-          <p:nvPr>
-            <p:ph type="title"/>
-          </p:nvPr>
-        </p:nvSpPr>
-        <p:spPr/>
-        <p:txBody>
-          <a:bodyPr/>
-          <a:lstStyle/>
-          <a:p>
-            <a:pPr lvl="0" indent="0" marL="0">
-              <a:buNone/>
-            </a:pPr>
-            <a:r>
-              <a:rPr/>
-              <a:t>Hark the Herald Angels Sing</a:t>
-            </a:r>
-          </a:p>
-        </p:txBody>
-      </p:sp>
-      <p:sp>
-        <p:nvSpPr>
           <p:cNvPr id="3" name="Content Placeholder 2"/>
           <p:cNvSpPr>
             <a:spLocks noGrp="1"/>
@@ -4711,40 +4755,16 @@
             </a:pPr>
             <a:r>
               <a:rPr/>
-              <a:t>Hark! the herald angels sing, “Glory to the newborn King:</a:t>
-            </a:r>
-          </a:p>
-          <a:p>
-            <a:pPr lvl="0" indent="0" marL="0">
-              <a:buNone/>
-            </a:pPr>
-            <a:r>
-              <a:rPr/>
-              <a:t>peace on earth, and mercy mild, God and sinners reconciled!”</a:t>
-            </a:r>
-          </a:p>
-          <a:p>
-            <a:pPr lvl="0" indent="0" marL="0">
-              <a:buNone/>
-            </a:pPr>
-            <a:r>
-              <a:rPr/>
-              <a:t>Joyful, all ye nations, rise, join the triumph of the skies;</a:t>
-            </a:r>
-          </a:p>
-          <a:p>
-            <a:pPr lvl="0" indent="0" marL="0">
-              <a:buNone/>
-            </a:pPr>
-            <a:r>
-              <a:rPr/>
-              <a:t>with th’angelic hosts proclaim, “Christ is born in Bethlehem!”</a:t>
-            </a:r>
-            <a:br/>
-            <a:br/>
-            <a:r>
-              <a:rPr/>
-              <a:t>Hark! the herald angels sing, “Glory to the newborn King”</a:t>
+              <a:t>Suddenly thousands of ag=ngels appeared in the sky</a:t>
+            </a:r>
+          </a:p>
+          <a:p>
+            <a:pPr lvl="0" indent="0" marL="0">
+              <a:buNone/>
+            </a:pPr>
+            <a:r>
+              <a:rPr b="1"/>
+              <a:t>They praise God for sending Jesus to be our savior, saying “Glory to God in the highest. And on earth peace, goodwill toward men.”</a:t>
             </a:r>
           </a:p>
         </p:txBody>
@@ -4773,6 +4793,31 @@
       </p:grpSpPr>
       <p:sp>
         <p:nvSpPr>
+          <p:cNvPr id="2" name="Title 1"/>
+          <p:cNvSpPr>
+            <a:spLocks noGrp="1"/>
+          </p:cNvSpPr>
+          <p:nvPr>
+            <p:ph type="title"/>
+          </p:nvPr>
+        </p:nvSpPr>
+        <p:spPr/>
+        <p:txBody>
+          <a:bodyPr/>
+          <a:lstStyle/>
+          <a:p>
+            <a:pPr lvl="0" indent="0" marL="0">
+              <a:buNone/>
+            </a:pPr>
+            <a:r>
+              <a:rPr/>
+              <a:t>Hark the Herald Angels Sing</a:t>
+            </a:r>
+          </a:p>
+        </p:txBody>
+      </p:sp>
+      <p:sp>
+        <p:nvSpPr>
           <p:cNvPr id="3" name="Content Placeholder 2"/>
           <p:cNvSpPr>
             <a:spLocks noGrp="1"/>
@@ -4791,46 +4836,40 @@
             </a:pPr>
             <a:r>
               <a:rPr/>
-              <a:t>When the angels left, the shepherds ran to Bethlehem. </a:t>
-            </a:r>
-            <a:r>
-              <a:rPr i="1"/>
-              <a:t>“Let’s see if we can find this baby”</a:t>
-            </a:r>
-            <a:r>
-              <a:rPr/>
-              <a:t> they said.</a:t>
-            </a:r>
-          </a:p>
-          <a:p>
-            <a:pPr lvl="0" indent="0" marL="0">
-              <a:buNone/>
-            </a:pPr>
-            <a:r>
-              <a:rPr/>
-              <a:t>When they found Jesus lying in a manger, they worshipped him.</a:t>
-            </a:r>
-          </a:p>
-          <a:p>
-            <a:pPr lvl="0" indent="0" marL="0">
-              <a:buNone/>
-            </a:pPr>
-            <a:r>
-              <a:rPr/>
-              <a:t>How excited they were!</a:t>
-            </a:r>
-          </a:p>
-          <a:p>
-            <a:pPr lvl="0" indent="0" marL="0">
-              <a:buNone/>
-            </a:pPr>
-            <a:r>
-              <a:rPr b="1"/>
-              <a:t>They told everyone the good news. They praised God all the way back to their fields</a:t>
-            </a:r>
-            <a:r>
-              <a:rPr/>
-              <a:t>.</a:t>
+              <a:t>Hark! the herald angels sing, “Glory to the newborn King:</a:t>
+            </a:r>
+          </a:p>
+          <a:p>
+            <a:pPr lvl="0" indent="0" marL="0">
+              <a:buNone/>
+            </a:pPr>
+            <a:r>
+              <a:rPr/>
+              <a:t>peace on earth, and mercy mild, God and sinners reconciled!”</a:t>
+            </a:r>
+          </a:p>
+          <a:p>
+            <a:pPr lvl="0" indent="0" marL="0">
+              <a:buNone/>
+            </a:pPr>
+            <a:r>
+              <a:rPr/>
+              <a:t>Joyful, all ye nations, rise, join the triumph of the skies;</a:t>
+            </a:r>
+          </a:p>
+          <a:p>
+            <a:pPr lvl="0" indent="0" marL="0">
+              <a:buNone/>
+            </a:pPr>
+            <a:r>
+              <a:rPr/>
+              <a:t>with th’angelic hosts proclaim, “Christ is born in Bethlehem!”</a:t>
+            </a:r>
+            <a:br/>
+            <a:br/>
+            <a:r>
+              <a:rPr/>
+              <a:t>Hark! the herald angels sing, “Glory to the newborn King”</a:t>
             </a:r>
           </a:p>
         </p:txBody>

--- a/christmas2004.pptx
+++ b/christmas2004.pptx
@@ -317,7 +317,7 @@
           <a:p>
             <a:fld id="{241EB5C9-1307-BA42-ABA2-0BC069CD8E7F}" type="datetimeFigureOut">
               <a:rPr lang="en-US" smtClean="0"/>
-              <a:t>11/14/24</a:t>
+              <a:t>1/8/25</a:t>
             </a:fld>
             <a:endParaRPr lang="en-US"/>
           </a:p>
@@ -485,7 +485,7 @@
           <a:p>
             <a:fld id="{241EB5C9-1307-BA42-ABA2-0BC069CD8E7F}" type="datetimeFigureOut">
               <a:rPr lang="en-US" smtClean="0"/>
-              <a:t>11/14/24</a:t>
+              <a:t>1/8/25</a:t>
             </a:fld>
             <a:endParaRPr lang="en-US"/>
           </a:p>
@@ -663,7 +663,7 @@
           <a:p>
             <a:fld id="{241EB5C9-1307-BA42-ABA2-0BC069CD8E7F}" type="datetimeFigureOut">
               <a:rPr lang="en-US" smtClean="0"/>
-              <a:t>11/14/24</a:t>
+              <a:t>1/8/25</a:t>
             </a:fld>
             <a:endParaRPr lang="en-US"/>
           </a:p>
@@ -841,7 +841,7 @@
           <a:p>
             <a:fld id="{241EB5C9-1307-BA42-ABA2-0BC069CD8E7F}" type="datetimeFigureOut">
               <a:rPr lang="en-US" smtClean="0"/>
-              <a:t>11/14/24</a:t>
+              <a:t>1/8/25</a:t>
             </a:fld>
             <a:endParaRPr lang="en-US"/>
           </a:p>
@@ -1086,7 +1086,8 @@
         <p:txBody>
           <a:bodyPr/>
           <a:lstStyle>
-            <a:lvl1pPr>
+            <a:lvl1pPr marL="228600" indent="-228600">
+              <a:tabLst/>
               <a:defRPr sz="2800"/>
             </a:lvl1pPr>
             <a:lvl2pPr>
@@ -1150,7 +1151,7 @@
           <a:p>
             <a:fld id="{241EB5C9-1307-BA42-ABA2-0BC069CD8E7F}" type="datetimeFigureOut">
               <a:rPr lang="en-US" smtClean="0"/>
-              <a:t>11/14/24</a:t>
+              <a:t>1/8/25</a:t>
             </a:fld>
             <a:endParaRPr lang="en-US"/>
           </a:p>
@@ -1411,7 +1412,7 @@
           <a:p>
             <a:fld id="{241EB5C9-1307-BA42-ABA2-0BC069CD8E7F}" type="datetimeFigureOut">
               <a:rPr lang="en-US" smtClean="0"/>
-              <a:t>11/14/24</a:t>
+              <a:t>1/8/25</a:t>
             </a:fld>
             <a:endParaRPr lang="en-US"/>
           </a:p>
@@ -1530,8 +1531,9 @@
         <p:txBody>
           <a:bodyPr/>
           <a:lstStyle>
-            <a:lvl1pPr>
-              <a:defRPr sz="2400"/>
+            <a:lvl1pPr marL="174625" indent="-174625">
+              <a:tabLst/>
+              <a:defRPr sz="2800"/>
             </a:lvl1pPr>
             <a:lvl2pPr>
               <a:defRPr sz="1800"/>
@@ -1614,8 +1616,9 @@
         <p:txBody>
           <a:bodyPr/>
           <a:lstStyle>
-            <a:lvl1pPr>
-              <a:defRPr sz="2400"/>
+            <a:lvl1pPr marL="174625" indent="-174625">
+              <a:tabLst/>
+              <a:defRPr sz="2800"/>
             </a:lvl1pPr>
             <a:lvl2pPr>
               <a:defRPr sz="1800"/>
@@ -1696,7 +1699,7 @@
           <a:p>
             <a:fld id="{241EB5C9-1307-BA42-ABA2-0BC069CD8E7F}" type="datetimeFigureOut">
               <a:rPr lang="en-US" smtClean="0"/>
-              <a:t>11/14/24</a:t>
+              <a:t>1/8/25</a:t>
             </a:fld>
             <a:endParaRPr lang="en-US"/>
           </a:p>
@@ -2115,7 +2118,7 @@
           <a:p>
             <a:fld id="{241EB5C9-1307-BA42-ABA2-0BC069CD8E7F}" type="datetimeFigureOut">
               <a:rPr lang="en-US" smtClean="0"/>
-              <a:t>11/14/24</a:t>
+              <a:t>1/8/25</a:t>
             </a:fld>
             <a:endParaRPr lang="en-US"/>
           </a:p>
@@ -2232,7 +2235,7 @@
           <a:p>
             <a:fld id="{241EB5C9-1307-BA42-ABA2-0BC069CD8E7F}" type="datetimeFigureOut">
               <a:rPr lang="en-US" smtClean="0"/>
-              <a:t>11/14/24</a:t>
+              <a:t>1/8/25</a:t>
             </a:fld>
             <a:endParaRPr lang="en-US"/>
           </a:p>
@@ -2327,7 +2330,7 @@
           <a:p>
             <a:fld id="{241EB5C9-1307-BA42-ABA2-0BC069CD8E7F}" type="datetimeFigureOut">
               <a:rPr lang="en-US" smtClean="0"/>
-              <a:t>11/14/24</a:t>
+              <a:t>1/8/25</a:t>
             </a:fld>
             <a:endParaRPr lang="en-US"/>
           </a:p>
@@ -2602,7 +2605,7 @@
           <a:p>
             <a:fld id="{241EB5C9-1307-BA42-ABA2-0BC069CD8E7F}" type="datetimeFigureOut">
               <a:rPr lang="en-US" smtClean="0"/>
-              <a:t>11/14/24</a:t>
+              <a:t>1/8/25</a:t>
             </a:fld>
             <a:endParaRPr lang="en-US"/>
           </a:p>
@@ -2854,7 +2857,7 @@
           <a:p>
             <a:fld id="{241EB5C9-1307-BA42-ABA2-0BC069CD8E7F}" type="datetimeFigureOut">
               <a:rPr lang="en-US" smtClean="0"/>
-              <a:t>11/14/24</a:t>
+              <a:t>1/8/25</a:t>
             </a:fld>
             <a:endParaRPr lang="en-US"/>
           </a:p>
@@ -3065,7 +3068,7 @@
           <a:p>
             <a:fld id="{241EB5C9-1307-BA42-ABA2-0BC069CD8E7F}" type="datetimeFigureOut">
               <a:rPr lang="en-US" smtClean="0"/>
-              <a:t>11/14/24</a:t>
+              <a:t>1/8/25</a:t>
             </a:fld>
             <a:endParaRPr lang="en-US"/>
           </a:p>
@@ -3421,6 +3424,22 @@
       </a:lvl9pPr>
     </p:otherStyle>
   </p:txStyles>
+  <p:extLst>
+    <p:ext uri="{27BBF7A9-308A-43DC-89C8-2F10F3537804}">
+      <p15:sldGuideLst xmlns:p15="http://schemas.microsoft.com/office/powerpoint/2012/main">
+        <p15:guide id="1" orient="horz" pos="1620" userDrawn="1">
+          <p15:clr>
+            <a:srgbClr val="F26B43"/>
+          </p15:clr>
+        </p15:guide>
+        <p15:guide id="2" pos="2880" userDrawn="1">
+          <p15:clr>
+            <a:srgbClr val="F26B43"/>
+          </p15:clr>
+        </p15:guide>
+      </p15:sldGuideLst>
+    </p:ext>
+  </p:extLst>
 </p:sldMaster>
 </file>
 

--- a/christmas2004.pptx
+++ b/christmas2004.pptx
@@ -317,7 +317,7 @@
           <a:p>
             <a:fld id="{241EB5C9-1307-BA42-ABA2-0BC069CD8E7F}" type="datetimeFigureOut">
               <a:rPr lang="en-US" smtClean="0"/>
-              <a:t>1/8/25</a:t>
+              <a:t>1/11/25</a:t>
             </a:fld>
             <a:endParaRPr lang="en-US"/>
           </a:p>
@@ -485,7 +485,7 @@
           <a:p>
             <a:fld id="{241EB5C9-1307-BA42-ABA2-0BC069CD8E7F}" type="datetimeFigureOut">
               <a:rPr lang="en-US" smtClean="0"/>
-              <a:t>1/8/25</a:t>
+              <a:t>1/11/25</a:t>
             </a:fld>
             <a:endParaRPr lang="en-US"/>
           </a:p>
@@ -663,7 +663,7 @@
           <a:p>
             <a:fld id="{241EB5C9-1307-BA42-ABA2-0BC069CD8E7F}" type="datetimeFigureOut">
               <a:rPr lang="en-US" smtClean="0"/>
-              <a:t>1/8/25</a:t>
+              <a:t>1/11/25</a:t>
             </a:fld>
             <a:endParaRPr lang="en-US"/>
           </a:p>
@@ -841,7 +841,7 @@
           <a:p>
             <a:fld id="{241EB5C9-1307-BA42-ABA2-0BC069CD8E7F}" type="datetimeFigureOut">
               <a:rPr lang="en-US" smtClean="0"/>
-              <a:t>1/8/25</a:t>
+              <a:t>1/11/25</a:t>
             </a:fld>
             <a:endParaRPr lang="en-US"/>
           </a:p>
@@ -1060,7 +1060,12 @@
             <p:ph type="title"/>
           </p:nvPr>
         </p:nvSpPr>
-        <p:spPr/>
+        <p:spPr>
+          <a:xfrm>
+            <a:off x="284309" y="205979"/>
+            <a:ext cx="8552330" cy="857250"/>
+          </a:xfrm>
+        </p:spPr>
         <p:txBody>
           <a:bodyPr/>
           <a:lstStyle/>
@@ -1082,7 +1087,12 @@
             <p:ph idx="1"/>
           </p:nvPr>
         </p:nvSpPr>
-        <p:spPr/>
+        <p:spPr>
+          <a:xfrm>
+            <a:off x="284309" y="1200151"/>
+            <a:ext cx="8552330" cy="3737370"/>
+          </a:xfrm>
+        </p:spPr>
         <p:txBody>
           <a:bodyPr/>
           <a:lstStyle>
@@ -1131,71 +1141,6 @@
               <a:rPr lang="en-US" dirty="0"/>
               <a:t>Fifth level</a:t>
             </a:r>
-          </a:p>
-        </p:txBody>
-      </p:sp>
-      <p:sp>
-        <p:nvSpPr>
-          <p:cNvPr id="4" name="Date Placeholder 3"/>
-          <p:cNvSpPr>
-            <a:spLocks noGrp="1"/>
-          </p:cNvSpPr>
-          <p:nvPr>
-            <p:ph type="dt" sz="half" idx="10"/>
-          </p:nvPr>
-        </p:nvSpPr>
-        <p:spPr/>
-        <p:txBody>
-          <a:bodyPr/>
-          <a:lstStyle/>
-          <a:p>
-            <a:fld id="{241EB5C9-1307-BA42-ABA2-0BC069CD8E7F}" type="datetimeFigureOut">
-              <a:rPr lang="en-US" smtClean="0"/>
-              <a:t>1/8/25</a:t>
-            </a:fld>
-            <a:endParaRPr lang="en-US"/>
-          </a:p>
-        </p:txBody>
-      </p:sp>
-      <p:sp>
-        <p:nvSpPr>
-          <p:cNvPr id="5" name="Footer Placeholder 4"/>
-          <p:cNvSpPr>
-            <a:spLocks noGrp="1"/>
-          </p:cNvSpPr>
-          <p:nvPr>
-            <p:ph type="ftr" sz="quarter" idx="11"/>
-          </p:nvPr>
-        </p:nvSpPr>
-        <p:spPr/>
-        <p:txBody>
-          <a:bodyPr/>
-          <a:lstStyle/>
-          <a:p>
-            <a:endParaRPr lang="en-US"/>
-          </a:p>
-        </p:txBody>
-      </p:sp>
-      <p:sp>
-        <p:nvSpPr>
-          <p:cNvPr id="6" name="Slide Number Placeholder 5"/>
-          <p:cNvSpPr>
-            <a:spLocks noGrp="1"/>
-          </p:cNvSpPr>
-          <p:nvPr>
-            <p:ph type="sldNum" sz="quarter" idx="12"/>
-          </p:nvPr>
-        </p:nvSpPr>
-        <p:spPr/>
-        <p:txBody>
-          <a:bodyPr/>
-          <a:lstStyle/>
-          <a:p>
-            <a:fld id="{C5EF2332-01BF-834F-8236-50238282D533}" type="slidenum">
-              <a:rPr lang="en-US" smtClean="0"/>
-              <a:t>‹#›</a:t>
-            </a:fld>
-            <a:endParaRPr lang="en-US"/>
           </a:p>
         </p:txBody>
       </p:sp>
@@ -1412,7 +1357,7 @@
           <a:p>
             <a:fld id="{241EB5C9-1307-BA42-ABA2-0BC069CD8E7F}" type="datetimeFigureOut">
               <a:rPr lang="en-US" smtClean="0"/>
-              <a:t>1/8/25</a:t>
+              <a:t>1/11/25</a:t>
             </a:fld>
             <a:endParaRPr lang="en-US"/>
           </a:p>
@@ -1500,7 +1445,12 @@
             <p:ph type="title"/>
           </p:nvPr>
         </p:nvSpPr>
-        <p:spPr/>
+        <p:spPr>
+          <a:xfrm>
+            <a:off x="315045" y="205979"/>
+            <a:ext cx="8529278" cy="857250"/>
+          </a:xfrm>
+        </p:spPr>
         <p:txBody>
           <a:bodyPr/>
           <a:lstStyle/>
@@ -1524,8 +1474,8 @@
         </p:nvSpPr>
         <p:spPr>
           <a:xfrm>
-            <a:off x="457200" y="1200151"/>
-            <a:ext cx="4038600" cy="3394472"/>
+            <a:off x="315045" y="1200151"/>
+            <a:ext cx="4180755" cy="3737370"/>
           </a:xfrm>
         </p:spPr>
         <p:txBody>
@@ -1609,8 +1559,8 @@
         </p:nvSpPr>
         <p:spPr>
           <a:xfrm>
-            <a:off x="4648200" y="1200151"/>
-            <a:ext cx="4038600" cy="3394472"/>
+            <a:off x="4648199" y="1200151"/>
+            <a:ext cx="4196123" cy="3737370"/>
           </a:xfrm>
         </p:spPr>
         <p:txBody>
@@ -1682,71 +1632,6 @@
           </a:p>
         </p:txBody>
       </p:sp>
-      <p:sp>
-        <p:nvSpPr>
-          <p:cNvPr id="5" name="Date Placeholder 4"/>
-          <p:cNvSpPr>
-            <a:spLocks noGrp="1"/>
-          </p:cNvSpPr>
-          <p:nvPr>
-            <p:ph type="dt" sz="half" idx="10"/>
-          </p:nvPr>
-        </p:nvSpPr>
-        <p:spPr/>
-        <p:txBody>
-          <a:bodyPr/>
-          <a:lstStyle/>
-          <a:p>
-            <a:fld id="{241EB5C9-1307-BA42-ABA2-0BC069CD8E7F}" type="datetimeFigureOut">
-              <a:rPr lang="en-US" smtClean="0"/>
-              <a:t>1/8/25</a:t>
-            </a:fld>
-            <a:endParaRPr lang="en-US"/>
-          </a:p>
-        </p:txBody>
-      </p:sp>
-      <p:sp>
-        <p:nvSpPr>
-          <p:cNvPr id="6" name="Footer Placeholder 5"/>
-          <p:cNvSpPr>
-            <a:spLocks noGrp="1"/>
-          </p:cNvSpPr>
-          <p:nvPr>
-            <p:ph type="ftr" sz="quarter" idx="11"/>
-          </p:nvPr>
-        </p:nvSpPr>
-        <p:spPr/>
-        <p:txBody>
-          <a:bodyPr/>
-          <a:lstStyle/>
-          <a:p>
-            <a:endParaRPr lang="en-US"/>
-          </a:p>
-        </p:txBody>
-      </p:sp>
-      <p:sp>
-        <p:nvSpPr>
-          <p:cNvPr id="7" name="Slide Number Placeholder 6"/>
-          <p:cNvSpPr>
-            <a:spLocks noGrp="1"/>
-          </p:cNvSpPr>
-          <p:nvPr>
-            <p:ph type="sldNum" sz="quarter" idx="12"/>
-          </p:nvPr>
-        </p:nvSpPr>
-        <p:spPr/>
-        <p:txBody>
-          <a:bodyPr/>
-          <a:lstStyle/>
-          <a:p>
-            <a:fld id="{C5EF2332-01BF-834F-8236-50238282D533}" type="slidenum">
-              <a:rPr lang="en-US" smtClean="0"/>
-              <a:t>‹#›</a:t>
-            </a:fld>
-            <a:endParaRPr lang="en-US"/>
-          </a:p>
-        </p:txBody>
-      </p:sp>
     </p:spTree>
     <p:extLst>
       <p:ext uri="{BB962C8B-B14F-4D97-AF65-F5344CB8AC3E}">
@@ -2118,7 +2003,7 @@
           <a:p>
             <a:fld id="{241EB5C9-1307-BA42-ABA2-0BC069CD8E7F}" type="datetimeFigureOut">
               <a:rPr lang="en-US" smtClean="0"/>
-              <a:t>1/8/25</a:t>
+              <a:t>1/11/25</a:t>
             </a:fld>
             <a:endParaRPr lang="en-US"/>
           </a:p>
@@ -2235,7 +2120,7 @@
           <a:p>
             <a:fld id="{241EB5C9-1307-BA42-ABA2-0BC069CD8E7F}" type="datetimeFigureOut">
               <a:rPr lang="en-US" smtClean="0"/>
-              <a:t>1/8/25</a:t>
+              <a:t>1/11/25</a:t>
             </a:fld>
             <a:endParaRPr lang="en-US"/>
           </a:p>
@@ -2330,7 +2215,7 @@
           <a:p>
             <a:fld id="{241EB5C9-1307-BA42-ABA2-0BC069CD8E7F}" type="datetimeFigureOut">
               <a:rPr lang="en-US" smtClean="0"/>
-              <a:t>1/8/25</a:t>
+              <a:t>1/11/25</a:t>
             </a:fld>
             <a:endParaRPr lang="en-US"/>
           </a:p>
@@ -2605,7 +2490,7 @@
           <a:p>
             <a:fld id="{241EB5C9-1307-BA42-ABA2-0BC069CD8E7F}" type="datetimeFigureOut">
               <a:rPr lang="en-US" smtClean="0"/>
-              <a:t>1/8/25</a:t>
+              <a:t>1/11/25</a:t>
             </a:fld>
             <a:endParaRPr lang="en-US"/>
           </a:p>
@@ -2857,7 +2742,7 @@
           <a:p>
             <a:fld id="{241EB5C9-1307-BA42-ABA2-0BC069CD8E7F}" type="datetimeFigureOut">
               <a:rPr lang="en-US" smtClean="0"/>
-              <a:t>1/8/25</a:t>
+              <a:t>1/11/25</a:t>
             </a:fld>
             <a:endParaRPr lang="en-US"/>
           </a:p>
@@ -3068,7 +2953,7 @@
           <a:p>
             <a:fld id="{241EB5C9-1307-BA42-ABA2-0BC069CD8E7F}" type="datetimeFigureOut">
               <a:rPr lang="en-US" smtClean="0"/>
-              <a:t>1/8/25</a:t>
+              <a:t>1/11/25</a:t>
             </a:fld>
             <a:endParaRPr lang="en-US"/>
           </a:p>
@@ -3636,7 +3521,12 @@
             <p:ph type="title"/>
           </p:nvPr>
         </p:nvSpPr>
-        <p:spPr/>
+        <p:spPr>
+          <a:xfrm>
+            <a:off x="284309" y="205979"/>
+            <a:ext cx="8552330" cy="857250"/>
+          </a:xfrm>
+        </p:spPr>
         <p:txBody>
           <a:bodyPr/>
           <a:lstStyle/>
@@ -3764,7 +3654,12 @@
             <p:ph type="title"/>
           </p:nvPr>
         </p:nvSpPr>
-        <p:spPr/>
+        <p:spPr>
+          <a:xfrm>
+            <a:off x="284309" y="205979"/>
+            <a:ext cx="8552330" cy="857250"/>
+          </a:xfrm>
+        </p:spPr>
         <p:txBody>
           <a:bodyPr/>
           <a:lstStyle/>
@@ -3854,7 +3749,12 @@
             <p:ph type="title"/>
           </p:nvPr>
         </p:nvSpPr>
-        <p:spPr/>
+        <p:spPr>
+          <a:xfrm>
+            <a:off x="284309" y="205979"/>
+            <a:ext cx="8552330" cy="857250"/>
+          </a:xfrm>
+        </p:spPr>
         <p:txBody>
           <a:bodyPr/>
           <a:lstStyle/>
@@ -3901,7 +3801,12 @@
             <p:ph type="title"/>
           </p:nvPr>
         </p:nvSpPr>
-        <p:spPr/>
+        <p:spPr>
+          <a:xfrm>
+            <a:off x="284309" y="205979"/>
+            <a:ext cx="8552330" cy="857250"/>
+          </a:xfrm>
+        </p:spPr>
         <p:txBody>
           <a:bodyPr/>
           <a:lstStyle/>
@@ -4175,7 +4080,12 @@
             <p:ph type="title"/>
           </p:nvPr>
         </p:nvSpPr>
-        <p:spPr/>
+        <p:spPr>
+          <a:xfrm>
+            <a:off x="284309" y="205979"/>
+            <a:ext cx="8552330" cy="857250"/>
+          </a:xfrm>
+        </p:spPr>
         <p:txBody>
           <a:bodyPr/>
           <a:lstStyle/>
@@ -4482,7 +4392,12 @@
             <p:ph type="title"/>
           </p:nvPr>
         </p:nvSpPr>
-        <p:spPr/>
+        <p:spPr>
+          <a:xfrm>
+            <a:off x="284309" y="205979"/>
+            <a:ext cx="8552330" cy="857250"/>
+          </a:xfrm>
+        </p:spPr>
         <p:txBody>
           <a:bodyPr/>
           <a:lstStyle/>
@@ -4650,7 +4565,12 @@
             <p:ph type="title"/>
           </p:nvPr>
         </p:nvSpPr>
-        <p:spPr/>
+        <p:spPr>
+          <a:xfrm>
+            <a:off x="284309" y="205979"/>
+            <a:ext cx="8552330" cy="857250"/>
+          </a:xfrm>
+        </p:spPr>
         <p:txBody>
           <a:bodyPr/>
           <a:lstStyle/>
@@ -4820,7 +4740,12 @@
             <p:ph type="title"/>
           </p:nvPr>
         </p:nvSpPr>
-        <p:spPr/>
+        <p:spPr>
+          <a:xfrm>
+            <a:off x="284309" y="205979"/>
+            <a:ext cx="8552330" cy="857250"/>
+          </a:xfrm>
+        </p:spPr>
         <p:txBody>
           <a:bodyPr/>
           <a:lstStyle/>

--- a/christmas2004.pptx
+++ b/christmas2004.pptx
@@ -173,10 +173,16 @@
         </p:spPr>
         <p:txBody>
           <a:bodyPr/>
-          <a:lstStyle/>
-          <a:p>
-            <a:r>
-              <a:rPr lang="en-US"/>
+          <a:lstStyle>
+            <a:lvl1pPr>
+              <a:defRPr baseline="0">
+                <a:latin typeface="Lato Semibold" panose="020F0502020204030203" pitchFamily="34" charset="0"/>
+              </a:defRPr>
+            </a:lvl1pPr>
+          </a:lstStyle>
+          <a:p>
+            <a:r>
+              <a:rPr lang="en-US" dirty="0"/>
               <a:t>Click to edit Master title style</a:t>
             </a:r>
           </a:p>
@@ -310,7 +316,15 @@
             <p:ph type="dt" sz="half" idx="10"/>
           </p:nvPr>
         </p:nvSpPr>
-        <p:spPr/>
+        <p:spPr>
+          <a:xfrm>
+            <a:off x="457200" y="4767263"/>
+            <a:ext cx="2133600" cy="273844"/>
+          </a:xfrm>
+          <a:prstGeom prst="rect">
+            <a:avLst/>
+          </a:prstGeom>
+        </p:spPr>
         <p:txBody>
           <a:bodyPr/>
           <a:lstStyle/>
@@ -333,7 +347,15 @@
             <p:ph type="ftr" sz="quarter" idx="11"/>
           </p:nvPr>
         </p:nvSpPr>
-        <p:spPr/>
+        <p:spPr>
+          <a:xfrm>
+            <a:off x="3124200" y="4767263"/>
+            <a:ext cx="2895600" cy="273844"/>
+          </a:xfrm>
+          <a:prstGeom prst="rect">
+            <a:avLst/>
+          </a:prstGeom>
+        </p:spPr>
         <p:txBody>
           <a:bodyPr/>
           <a:lstStyle/>
@@ -352,7 +374,15 @@
             <p:ph type="sldNum" sz="quarter" idx="12"/>
           </p:nvPr>
         </p:nvSpPr>
-        <p:spPr/>
+        <p:spPr>
+          <a:xfrm>
+            <a:off x="6553200" y="4767263"/>
+            <a:ext cx="2133600" cy="273844"/>
+          </a:xfrm>
+          <a:prstGeom prst="rect">
+            <a:avLst/>
+          </a:prstGeom>
+        </p:spPr>
         <p:txBody>
           <a:bodyPr/>
           <a:lstStyle/>
@@ -478,7 +508,15 @@
             <p:ph type="dt" sz="half" idx="10"/>
           </p:nvPr>
         </p:nvSpPr>
-        <p:spPr/>
+        <p:spPr>
+          <a:xfrm>
+            <a:off x="457200" y="4767263"/>
+            <a:ext cx="2133600" cy="273844"/>
+          </a:xfrm>
+          <a:prstGeom prst="rect">
+            <a:avLst/>
+          </a:prstGeom>
+        </p:spPr>
         <p:txBody>
           <a:bodyPr/>
           <a:lstStyle/>
@@ -501,7 +539,15 @@
             <p:ph type="ftr" sz="quarter" idx="11"/>
           </p:nvPr>
         </p:nvSpPr>
-        <p:spPr/>
+        <p:spPr>
+          <a:xfrm>
+            <a:off x="3124200" y="4767263"/>
+            <a:ext cx="2895600" cy="273844"/>
+          </a:xfrm>
+          <a:prstGeom prst="rect">
+            <a:avLst/>
+          </a:prstGeom>
+        </p:spPr>
         <p:txBody>
           <a:bodyPr/>
           <a:lstStyle/>
@@ -520,7 +566,15 @@
             <p:ph type="sldNum" sz="quarter" idx="12"/>
           </p:nvPr>
         </p:nvSpPr>
-        <p:spPr/>
+        <p:spPr>
+          <a:xfrm>
+            <a:off x="6553200" y="4767263"/>
+            <a:ext cx="2133600" cy="273844"/>
+          </a:xfrm>
+          <a:prstGeom prst="rect">
+            <a:avLst/>
+          </a:prstGeom>
+        </p:spPr>
         <p:txBody>
           <a:bodyPr/>
           <a:lstStyle/>
@@ -656,7 +710,15 @@
             <p:ph type="dt" sz="half" idx="10"/>
           </p:nvPr>
         </p:nvSpPr>
-        <p:spPr/>
+        <p:spPr>
+          <a:xfrm>
+            <a:off x="457200" y="4767263"/>
+            <a:ext cx="2133600" cy="273844"/>
+          </a:xfrm>
+          <a:prstGeom prst="rect">
+            <a:avLst/>
+          </a:prstGeom>
+        </p:spPr>
         <p:txBody>
           <a:bodyPr/>
           <a:lstStyle/>
@@ -679,7 +741,15 @@
             <p:ph type="ftr" sz="quarter" idx="11"/>
           </p:nvPr>
         </p:nvSpPr>
-        <p:spPr/>
+        <p:spPr>
+          <a:xfrm>
+            <a:off x="3124200" y="4767263"/>
+            <a:ext cx="2895600" cy="273844"/>
+          </a:xfrm>
+          <a:prstGeom prst="rect">
+            <a:avLst/>
+          </a:prstGeom>
+        </p:spPr>
         <p:txBody>
           <a:bodyPr/>
           <a:lstStyle/>
@@ -698,7 +768,15 @@
             <p:ph type="sldNum" sz="quarter" idx="12"/>
           </p:nvPr>
         </p:nvSpPr>
-        <p:spPr/>
+        <p:spPr>
+          <a:xfrm>
+            <a:off x="6553200" y="4767263"/>
+            <a:ext cx="2133600" cy="273844"/>
+          </a:xfrm>
+          <a:prstGeom prst="rect">
+            <a:avLst/>
+          </a:prstGeom>
+        </p:spPr>
         <p:txBody>
           <a:bodyPr/>
           <a:lstStyle/>
@@ -834,7 +912,15 @@
             <p:ph type="dt" sz="half" idx="10"/>
           </p:nvPr>
         </p:nvSpPr>
-        <p:spPr/>
+        <p:spPr>
+          <a:xfrm>
+            <a:off x="457200" y="4767263"/>
+            <a:ext cx="2133600" cy="273844"/>
+          </a:xfrm>
+          <a:prstGeom prst="rect">
+            <a:avLst/>
+          </a:prstGeom>
+        </p:spPr>
         <p:txBody>
           <a:bodyPr/>
           <a:lstStyle/>
@@ -857,7 +943,15 @@
             <p:ph type="ftr" sz="quarter" idx="11"/>
           </p:nvPr>
         </p:nvSpPr>
-        <p:spPr/>
+        <p:spPr>
+          <a:xfrm>
+            <a:off x="3124200" y="4767263"/>
+            <a:ext cx="2895600" cy="273844"/>
+          </a:xfrm>
+          <a:prstGeom prst="rect">
+            <a:avLst/>
+          </a:prstGeom>
+        </p:spPr>
         <p:txBody>
           <a:bodyPr/>
           <a:lstStyle/>
@@ -876,7 +970,15 @@
             <p:ph type="sldNum" sz="quarter" idx="12"/>
           </p:nvPr>
         </p:nvSpPr>
-        <p:spPr/>
+        <p:spPr>
+          <a:xfrm>
+            <a:off x="6553200" y="4767263"/>
+            <a:ext cx="2133600" cy="273844"/>
+          </a:xfrm>
+          <a:prstGeom prst="rect">
+            <a:avLst/>
+          </a:prstGeom>
+        </p:spPr>
         <p:txBody>
           <a:bodyPr/>
           <a:lstStyle/>
@@ -1063,15 +1165,15 @@
         <p:spPr>
           <a:xfrm>
             <a:off x="284309" y="205979"/>
-            <a:ext cx="8552330" cy="857250"/>
-          </a:xfrm>
-        </p:spPr>
-        <p:txBody>
-          <a:bodyPr/>
-          <a:lstStyle/>
-          <a:p>
-            <a:r>
-              <a:rPr lang="en-US"/>
+            <a:ext cx="8552330" cy="662317"/>
+          </a:xfrm>
+        </p:spPr>
+        <p:txBody>
+          <a:bodyPr/>
+          <a:lstStyle/>
+          <a:p>
+            <a:r>
+              <a:rPr lang="en-US" dirty="0"/>
               <a:t>Click to edit Master title style</a:t>
             </a:r>
           </a:p>
@@ -1089,8 +1191,8 @@
         </p:nvSpPr>
         <p:spPr>
           <a:xfrm>
-            <a:off x="284309" y="1200151"/>
-            <a:ext cx="8552330" cy="3737370"/>
+            <a:off x="284309" y="960504"/>
+            <a:ext cx="8552330" cy="3977017"/>
           </a:xfrm>
         </p:spPr>
         <p:txBody>
@@ -1350,7 +1452,15 @@
             <p:ph type="dt" sz="half" idx="10"/>
           </p:nvPr>
         </p:nvSpPr>
-        <p:spPr/>
+        <p:spPr>
+          <a:xfrm>
+            <a:off x="457200" y="4767263"/>
+            <a:ext cx="2133600" cy="273844"/>
+          </a:xfrm>
+          <a:prstGeom prst="rect">
+            <a:avLst/>
+          </a:prstGeom>
+        </p:spPr>
         <p:txBody>
           <a:bodyPr/>
           <a:lstStyle/>
@@ -1373,7 +1483,15 @@
             <p:ph type="ftr" sz="quarter" idx="11"/>
           </p:nvPr>
         </p:nvSpPr>
-        <p:spPr/>
+        <p:spPr>
+          <a:xfrm>
+            <a:off x="3124200" y="4767263"/>
+            <a:ext cx="2895600" cy="273844"/>
+          </a:xfrm>
+          <a:prstGeom prst="rect">
+            <a:avLst/>
+          </a:prstGeom>
+        </p:spPr>
         <p:txBody>
           <a:bodyPr/>
           <a:lstStyle/>
@@ -1392,7 +1510,15 @@
             <p:ph type="sldNum" sz="quarter" idx="12"/>
           </p:nvPr>
         </p:nvSpPr>
-        <p:spPr/>
+        <p:spPr>
+          <a:xfrm>
+            <a:off x="6553200" y="4767263"/>
+            <a:ext cx="2133600" cy="273844"/>
+          </a:xfrm>
+          <a:prstGeom prst="rect">
+            <a:avLst/>
+          </a:prstGeom>
+        </p:spPr>
         <p:txBody>
           <a:bodyPr/>
           <a:lstStyle/>
@@ -1456,7 +1582,7 @@
           <a:lstStyle/>
           <a:p>
             <a:r>
-              <a:rPr lang="en-US"/>
+              <a:rPr lang="en-US" dirty="0"/>
               <a:t>Click to edit Master title style</a:t>
             </a:r>
           </a:p>
@@ -1483,7 +1609,9 @@
           <a:lstStyle>
             <a:lvl1pPr marL="174625" indent="-174625">
               <a:tabLst/>
-              <a:defRPr sz="2800"/>
+              <a:defRPr sz="2800" baseline="0">
+                <a:latin typeface="Lato Medium" panose="020F0502020204030203" pitchFamily="34" charset="0"/>
+              </a:defRPr>
             </a:lvl1pPr>
             <a:lvl2pPr>
               <a:defRPr sz="1800"/>
@@ -1568,7 +1696,9 @@
           <a:lstStyle>
             <a:lvl1pPr marL="174625" indent="-174625">
               <a:tabLst/>
-              <a:defRPr sz="2800"/>
+              <a:defRPr sz="2800" baseline="0">
+                <a:latin typeface="Lato Medium" panose="020F0502020204030203" pitchFamily="34" charset="0"/>
+              </a:defRPr>
             </a:lvl1pPr>
             <a:lvl2pPr>
               <a:defRPr sz="1800"/>
@@ -1996,7 +2126,15 @@
             <p:ph type="dt" sz="half" idx="10"/>
           </p:nvPr>
         </p:nvSpPr>
-        <p:spPr/>
+        <p:spPr>
+          <a:xfrm>
+            <a:off x="457200" y="4767263"/>
+            <a:ext cx="2133600" cy="273844"/>
+          </a:xfrm>
+          <a:prstGeom prst="rect">
+            <a:avLst/>
+          </a:prstGeom>
+        </p:spPr>
         <p:txBody>
           <a:bodyPr/>
           <a:lstStyle/>
@@ -2019,7 +2157,15 @@
             <p:ph type="ftr" sz="quarter" idx="11"/>
           </p:nvPr>
         </p:nvSpPr>
-        <p:spPr/>
+        <p:spPr>
+          <a:xfrm>
+            <a:off x="3124200" y="4767263"/>
+            <a:ext cx="2895600" cy="273844"/>
+          </a:xfrm>
+          <a:prstGeom prst="rect">
+            <a:avLst/>
+          </a:prstGeom>
+        </p:spPr>
         <p:txBody>
           <a:bodyPr/>
           <a:lstStyle/>
@@ -2038,7 +2184,15 @@
             <p:ph type="sldNum" sz="quarter" idx="12"/>
           </p:nvPr>
         </p:nvSpPr>
-        <p:spPr/>
+        <p:spPr>
+          <a:xfrm>
+            <a:off x="6553200" y="4767263"/>
+            <a:ext cx="2133600" cy="273844"/>
+          </a:xfrm>
+          <a:prstGeom prst="rect">
+            <a:avLst/>
+          </a:prstGeom>
+        </p:spPr>
         <p:txBody>
           <a:bodyPr/>
           <a:lstStyle/>
@@ -2094,10 +2248,16 @@
         <p:spPr/>
         <p:txBody>
           <a:bodyPr/>
-          <a:lstStyle/>
-          <a:p>
-            <a:r>
-              <a:rPr lang="en-US"/>
+          <a:lstStyle>
+            <a:lvl1pPr>
+              <a:defRPr baseline="0">
+                <a:latin typeface="Lato Semibold" panose="020F0502020204030203" pitchFamily="34" charset="0"/>
+              </a:defRPr>
+            </a:lvl1pPr>
+          </a:lstStyle>
+          <a:p>
+            <a:r>
+              <a:rPr lang="en-US" dirty="0"/>
               <a:t>Click to edit Master title style</a:t>
             </a:r>
           </a:p>
@@ -2113,7 +2273,15 @@
             <p:ph type="dt" sz="half" idx="10"/>
           </p:nvPr>
         </p:nvSpPr>
-        <p:spPr/>
+        <p:spPr>
+          <a:xfrm>
+            <a:off x="457200" y="4767263"/>
+            <a:ext cx="2133600" cy="273844"/>
+          </a:xfrm>
+          <a:prstGeom prst="rect">
+            <a:avLst/>
+          </a:prstGeom>
+        </p:spPr>
         <p:txBody>
           <a:bodyPr/>
           <a:lstStyle/>
@@ -2136,7 +2304,15 @@
             <p:ph type="ftr" sz="quarter" idx="11"/>
           </p:nvPr>
         </p:nvSpPr>
-        <p:spPr/>
+        <p:spPr>
+          <a:xfrm>
+            <a:off x="3124200" y="4767263"/>
+            <a:ext cx="2895600" cy="273844"/>
+          </a:xfrm>
+          <a:prstGeom prst="rect">
+            <a:avLst/>
+          </a:prstGeom>
+        </p:spPr>
         <p:txBody>
           <a:bodyPr/>
           <a:lstStyle/>
@@ -2155,7 +2331,15 @@
             <p:ph type="sldNum" sz="quarter" idx="12"/>
           </p:nvPr>
         </p:nvSpPr>
-        <p:spPr/>
+        <p:spPr>
+          <a:xfrm>
+            <a:off x="6553200" y="4767263"/>
+            <a:ext cx="2133600" cy="273844"/>
+          </a:xfrm>
+          <a:prstGeom prst="rect">
+            <a:avLst/>
+          </a:prstGeom>
+        </p:spPr>
         <p:txBody>
           <a:bodyPr/>
           <a:lstStyle/>
@@ -2208,7 +2392,15 @@
             <p:ph type="dt" sz="half" idx="10"/>
           </p:nvPr>
         </p:nvSpPr>
-        <p:spPr/>
+        <p:spPr>
+          <a:xfrm>
+            <a:off x="457200" y="4767263"/>
+            <a:ext cx="2133600" cy="273844"/>
+          </a:xfrm>
+          <a:prstGeom prst="rect">
+            <a:avLst/>
+          </a:prstGeom>
+        </p:spPr>
         <p:txBody>
           <a:bodyPr/>
           <a:lstStyle/>
@@ -2231,7 +2423,15 @@
             <p:ph type="ftr" sz="quarter" idx="11"/>
           </p:nvPr>
         </p:nvSpPr>
-        <p:spPr/>
+        <p:spPr>
+          <a:xfrm>
+            <a:off x="3124200" y="4767263"/>
+            <a:ext cx="2895600" cy="273844"/>
+          </a:xfrm>
+          <a:prstGeom prst="rect">
+            <a:avLst/>
+          </a:prstGeom>
+        </p:spPr>
         <p:txBody>
           <a:bodyPr/>
           <a:lstStyle/>
@@ -2250,7 +2450,15 @@
             <p:ph type="sldNum" sz="quarter" idx="12"/>
           </p:nvPr>
         </p:nvSpPr>
-        <p:spPr/>
+        <p:spPr>
+          <a:xfrm>
+            <a:off x="6553200" y="4767263"/>
+            <a:ext cx="2133600" cy="273844"/>
+          </a:xfrm>
+          <a:prstGeom prst="rect">
+            <a:avLst/>
+          </a:prstGeom>
+        </p:spPr>
         <p:txBody>
           <a:bodyPr/>
           <a:lstStyle/>
@@ -2483,7 +2691,15 @@
             <p:ph type="dt" sz="half" idx="10"/>
           </p:nvPr>
         </p:nvSpPr>
-        <p:spPr/>
+        <p:spPr>
+          <a:xfrm>
+            <a:off x="457200" y="4767263"/>
+            <a:ext cx="2133600" cy="273844"/>
+          </a:xfrm>
+          <a:prstGeom prst="rect">
+            <a:avLst/>
+          </a:prstGeom>
+        </p:spPr>
         <p:txBody>
           <a:bodyPr/>
           <a:lstStyle/>
@@ -2506,7 +2722,15 @@
             <p:ph type="ftr" sz="quarter" idx="11"/>
           </p:nvPr>
         </p:nvSpPr>
-        <p:spPr/>
+        <p:spPr>
+          <a:xfrm>
+            <a:off x="3124200" y="4767263"/>
+            <a:ext cx="2895600" cy="273844"/>
+          </a:xfrm>
+          <a:prstGeom prst="rect">
+            <a:avLst/>
+          </a:prstGeom>
+        </p:spPr>
         <p:txBody>
           <a:bodyPr/>
           <a:lstStyle/>
@@ -2525,7 +2749,15 @@
             <p:ph type="sldNum" sz="quarter" idx="12"/>
           </p:nvPr>
         </p:nvSpPr>
-        <p:spPr/>
+        <p:spPr>
+          <a:xfrm>
+            <a:off x="6553200" y="4767263"/>
+            <a:ext cx="2133600" cy="273844"/>
+          </a:xfrm>
+          <a:prstGeom prst="rect">
+            <a:avLst/>
+          </a:prstGeom>
+        </p:spPr>
         <p:txBody>
           <a:bodyPr/>
           <a:lstStyle/>
@@ -2735,7 +2967,15 @@
             <p:ph type="dt" sz="half" idx="10"/>
           </p:nvPr>
         </p:nvSpPr>
-        <p:spPr/>
+        <p:spPr>
+          <a:xfrm>
+            <a:off x="457200" y="4767263"/>
+            <a:ext cx="2133600" cy="273844"/>
+          </a:xfrm>
+          <a:prstGeom prst="rect">
+            <a:avLst/>
+          </a:prstGeom>
+        </p:spPr>
         <p:txBody>
           <a:bodyPr/>
           <a:lstStyle/>
@@ -2758,7 +2998,15 @@
             <p:ph type="ftr" sz="quarter" idx="11"/>
           </p:nvPr>
         </p:nvSpPr>
-        <p:spPr/>
+        <p:spPr>
+          <a:xfrm>
+            <a:off x="3124200" y="4767263"/>
+            <a:ext cx="2895600" cy="273844"/>
+          </a:xfrm>
+          <a:prstGeom prst="rect">
+            <a:avLst/>
+          </a:prstGeom>
+        </p:spPr>
         <p:txBody>
           <a:bodyPr/>
           <a:lstStyle/>
@@ -2777,7 +3025,15 @@
             <p:ph type="sldNum" sz="quarter" idx="12"/>
           </p:nvPr>
         </p:nvSpPr>
-        <p:spPr/>
+        <p:spPr>
+          <a:xfrm>
+            <a:off x="6553200" y="4767263"/>
+            <a:ext cx="2133600" cy="273844"/>
+          </a:xfrm>
+          <a:prstGeom prst="rect">
+            <a:avLst/>
+          </a:prstGeom>
+        </p:spPr>
         <p:txBody>
           <a:bodyPr/>
           <a:lstStyle/>
@@ -2838,7 +3094,7 @@
         <p:spPr>
           <a:xfrm>
             <a:off x="457200" y="205979"/>
-            <a:ext cx="8229600" cy="857250"/>
+            <a:ext cx="8229600" cy="716105"/>
           </a:xfrm>
           <a:prstGeom prst="rect">
             <a:avLst/>
@@ -2851,7 +3107,7 @@
           <a:lstStyle/>
           <a:p>
             <a:r>
-              <a:rPr lang="en-US"/>
+              <a:rPr dirty="0" lang="en-US"/>
               <a:t>Click to edit Master title style</a:t>
             </a:r>
           </a:p>
@@ -2869,8 +3125,8 @@
         </p:nvSpPr>
         <p:spPr>
           <a:xfrm>
-            <a:off x="457200" y="1200151"/>
-            <a:ext cx="8229600" cy="3394472"/>
+            <a:off x="457200" y="998924"/>
+            <a:ext cx="8229600" cy="3938597"/>
           </a:xfrm>
           <a:prstGeom prst="rect">
             <a:avLst/>
@@ -2884,156 +3140,37 @@
           <a:p>
             <a:pPr lvl="0"/>
             <a:r>
-              <a:rPr lang="en-US"/>
+              <a:rPr dirty="0" lang="en-US"/>
               <a:t>Click to edit Master text styles</a:t>
             </a:r>
           </a:p>
           <a:p>
             <a:pPr lvl="1"/>
             <a:r>
-              <a:rPr lang="en-US"/>
+              <a:rPr dirty="0" lang="en-US"/>
               <a:t>Second level</a:t>
             </a:r>
           </a:p>
           <a:p>
             <a:pPr lvl="2"/>
             <a:r>
-              <a:rPr lang="en-US"/>
+              <a:rPr dirty="0" lang="en-US"/>
               <a:t>Third level</a:t>
             </a:r>
           </a:p>
           <a:p>
             <a:pPr lvl="3"/>
             <a:r>
-              <a:rPr lang="en-US"/>
+              <a:rPr dirty="0" lang="en-US"/>
               <a:t>Fourth level</a:t>
             </a:r>
           </a:p>
           <a:p>
             <a:pPr lvl="4"/>
             <a:r>
-              <a:rPr lang="en-US"/>
+              <a:rPr dirty="0" lang="en-US"/>
               <a:t>Fifth level</a:t>
             </a:r>
-          </a:p>
-        </p:txBody>
-      </p:sp>
-      <p:sp>
-        <p:nvSpPr>
-          <p:cNvPr id="4" name="Date Placeholder 3"/>
-          <p:cNvSpPr>
-            <a:spLocks noGrp="1"/>
-          </p:cNvSpPr>
-          <p:nvPr>
-            <p:ph idx="2" sz="half" type="dt"/>
-          </p:nvPr>
-        </p:nvSpPr>
-        <p:spPr>
-          <a:xfrm>
-            <a:off x="457200" y="4767263"/>
-            <a:ext cx="2133600" cy="273844"/>
-          </a:xfrm>
-          <a:prstGeom prst="rect">
-            <a:avLst/>
-          </a:prstGeom>
-        </p:spPr>
-        <p:txBody>
-          <a:bodyPr anchor="ctr" bIns="45720" lIns="91440" rIns="91440" rtlCol="0" tIns="45720" vert="horz"/>
-          <a:lstStyle>
-            <a:lvl1pPr algn="l">
-              <a:defRPr sz="900">
-                <a:solidFill>
-                  <a:schemeClr val="tx1">
-                    <a:tint val="75000"/>
-                  </a:schemeClr>
-                </a:solidFill>
-              </a:defRPr>
-            </a:lvl1pPr>
-          </a:lstStyle>
-          <a:p>
-            <a:fld id="{241EB5C9-1307-BA42-ABA2-0BC069CD8E7F}" type="datetimeFigureOut">
-              <a:rPr lang="en-US" smtClean="0"/>
-              <a:t>1/11/25</a:t>
-            </a:fld>
-            <a:endParaRPr lang="en-US"/>
-          </a:p>
-        </p:txBody>
-      </p:sp>
-      <p:sp>
-        <p:nvSpPr>
-          <p:cNvPr id="5" name="Footer Placeholder 4"/>
-          <p:cNvSpPr>
-            <a:spLocks noGrp="1"/>
-          </p:cNvSpPr>
-          <p:nvPr>
-            <p:ph idx="3" sz="quarter" type="ftr"/>
-          </p:nvPr>
-        </p:nvSpPr>
-        <p:spPr>
-          <a:xfrm>
-            <a:off x="3124200" y="4767263"/>
-            <a:ext cx="2895600" cy="273844"/>
-          </a:xfrm>
-          <a:prstGeom prst="rect">
-            <a:avLst/>
-          </a:prstGeom>
-        </p:spPr>
-        <p:txBody>
-          <a:bodyPr anchor="ctr" bIns="45720" lIns="91440" rIns="91440" rtlCol="0" tIns="45720" vert="horz"/>
-          <a:lstStyle>
-            <a:lvl1pPr algn="ctr">
-              <a:defRPr sz="900">
-                <a:solidFill>
-                  <a:schemeClr val="tx1">
-                    <a:tint val="75000"/>
-                  </a:schemeClr>
-                </a:solidFill>
-              </a:defRPr>
-            </a:lvl1pPr>
-          </a:lstStyle>
-          <a:p>
-            <a:endParaRPr lang="en-US"/>
-          </a:p>
-        </p:txBody>
-      </p:sp>
-      <p:sp>
-        <p:nvSpPr>
-          <p:cNvPr id="6" name="Slide Number Placeholder 5"/>
-          <p:cNvSpPr>
-            <a:spLocks noGrp="1"/>
-          </p:cNvSpPr>
-          <p:nvPr>
-            <p:ph idx="4" sz="quarter" type="sldNum"/>
-          </p:nvPr>
-        </p:nvSpPr>
-        <p:spPr>
-          <a:xfrm>
-            <a:off x="6553200" y="4767263"/>
-            <a:ext cx="2133600" cy="273844"/>
-          </a:xfrm>
-          <a:prstGeom prst="rect">
-            <a:avLst/>
-          </a:prstGeom>
-        </p:spPr>
-        <p:txBody>
-          <a:bodyPr anchor="ctr" bIns="45720" lIns="91440" rIns="91440" rtlCol="0" tIns="45720" vert="horz"/>
-          <a:lstStyle>
-            <a:lvl1pPr algn="r">
-              <a:defRPr sz="900">
-                <a:solidFill>
-                  <a:schemeClr val="tx1">
-                    <a:tint val="75000"/>
-                  </a:schemeClr>
-                </a:solidFill>
-              </a:defRPr>
-            </a:lvl1pPr>
-          </a:lstStyle>
-          <a:p>
-            <a:fld id="{C5EF2332-01BF-834F-8236-50238282D533}" type="slidenum">
-              <a:rPr lang="en-US" smtClean="0"/>
-              <a:t>‹#›</a:t>
-            </a:fld>
-            <a:endParaRPr lang="en-US"/>
           </a:p>
         </p:txBody>
       </p:sp>
@@ -3066,11 +3203,11 @@
           <a:spcPct val="0"/>
         </a:spcBef>
         <a:buNone/>
-        <a:defRPr kern="1200" sz="3300">
+        <a:defRPr baseline="0" kern="1200" sz="3300">
           <a:solidFill>
             <a:schemeClr val="tx1"/>
           </a:solidFill>
-          <a:latin typeface="+mj-lt"/>
+          <a:latin charset="0" panose="020F0502020204030203" pitchFamily="34" typeface="Lato Semibold"/>
           <a:ea typeface="+mj-ea"/>
           <a:cs typeface="+mj-cs"/>
         </a:defRPr>
@@ -3083,11 +3220,11 @@
         </a:spcBef>
         <a:buFont typeface="Arial"/>
         <a:buChar char="•"/>
-        <a:defRPr kern="1200" sz="2400">
+        <a:defRPr baseline="0" kern="1200" sz="2400">
           <a:solidFill>
             <a:schemeClr val="tx1"/>
           </a:solidFill>
-          <a:latin typeface="+mn-lt"/>
+          <a:latin charset="0" panose="020F0502020204030203" pitchFamily="34" typeface="Lato Medium"/>
           <a:ea typeface="+mn-ea"/>
           <a:cs typeface="+mn-cs"/>
         </a:defRPr>
@@ -3098,11 +3235,11 @@
         </a:spcBef>
         <a:buFont typeface="Arial"/>
         <a:buChar char="–"/>
-        <a:defRPr kern="1200" sz="2100">
+        <a:defRPr baseline="0" kern="1200" sz="2100">
           <a:solidFill>
             <a:schemeClr val="tx1"/>
           </a:solidFill>
-          <a:latin typeface="+mn-lt"/>
+          <a:latin charset="0" panose="020F0502020204030203" pitchFamily="34" typeface="Lato Medium"/>
           <a:ea typeface="+mn-ea"/>
           <a:cs typeface="+mn-cs"/>
         </a:defRPr>
@@ -3524,7 +3661,7 @@
         <p:spPr>
           <a:xfrm>
             <a:off x="284309" y="205979"/>
-            <a:ext cx="8552330" cy="857250"/>
+            <a:ext cx="8552330" cy="662317"/>
           </a:xfrm>
         </p:spPr>
         <p:txBody>
@@ -3657,7 +3794,7 @@
         <p:spPr>
           <a:xfrm>
             <a:off x="284309" y="205979"/>
-            <a:ext cx="8552330" cy="857250"/>
+            <a:ext cx="8552330" cy="662317"/>
           </a:xfrm>
         </p:spPr>
         <p:txBody>
@@ -3752,7 +3889,7 @@
         <p:spPr>
           <a:xfrm>
             <a:off x="284309" y="205979"/>
-            <a:ext cx="8552330" cy="857250"/>
+            <a:ext cx="8552330" cy="662317"/>
           </a:xfrm>
         </p:spPr>
         <p:txBody>
@@ -3804,7 +3941,7 @@
         <p:spPr>
           <a:xfrm>
             <a:off x="284309" y="205979"/>
-            <a:ext cx="8552330" cy="857250"/>
+            <a:ext cx="8552330" cy="662317"/>
           </a:xfrm>
         </p:spPr>
         <p:txBody>
@@ -4083,7 +4220,7 @@
         <p:spPr>
           <a:xfrm>
             <a:off x="284309" y="205979"/>
-            <a:ext cx="8552330" cy="857250"/>
+            <a:ext cx="8552330" cy="662317"/>
           </a:xfrm>
         </p:spPr>
         <p:txBody>
@@ -4395,7 +4532,7 @@
         <p:spPr>
           <a:xfrm>
             <a:off x="284309" y="205979"/>
-            <a:ext cx="8552330" cy="857250"/>
+            <a:ext cx="8552330" cy="662317"/>
           </a:xfrm>
         </p:spPr>
         <p:txBody>
@@ -4568,7 +4705,7 @@
         <p:spPr>
           <a:xfrm>
             <a:off x="284309" y="205979"/>
-            <a:ext cx="8552330" cy="857250"/>
+            <a:ext cx="8552330" cy="662317"/>
           </a:xfrm>
         </p:spPr>
         <p:txBody>
@@ -4743,7 +4880,7 @@
         <p:spPr>
           <a:xfrm>
             <a:off x="284309" y="205979"/>
-            <a:ext cx="8552330" cy="857250"/>
+            <a:ext cx="8552330" cy="662317"/>
           </a:xfrm>
         </p:spPr>
         <p:txBody>

--- a/christmas2004.pptx
+++ b/christmas2004.pptx
@@ -331,7 +331,7 @@
           <a:p>
             <a:fld id="{241EB5C9-1307-BA42-ABA2-0BC069CD8E7F}" type="datetimeFigureOut">
               <a:rPr lang="en-US" smtClean="0"/>
-              <a:t>1/11/25</a:t>
+              <a:t>2/24/25</a:t>
             </a:fld>
             <a:endParaRPr lang="en-US"/>
           </a:p>
@@ -523,7 +523,7 @@
           <a:p>
             <a:fld id="{241EB5C9-1307-BA42-ABA2-0BC069CD8E7F}" type="datetimeFigureOut">
               <a:rPr lang="en-US" smtClean="0"/>
-              <a:t>1/11/25</a:t>
+              <a:t>2/24/25</a:t>
             </a:fld>
             <a:endParaRPr lang="en-US"/>
           </a:p>
@@ -725,7 +725,7 @@
           <a:p>
             <a:fld id="{241EB5C9-1307-BA42-ABA2-0BC069CD8E7F}" type="datetimeFigureOut">
               <a:rPr lang="en-US" smtClean="0"/>
-              <a:t>1/11/25</a:t>
+              <a:t>2/24/25</a:t>
             </a:fld>
             <a:endParaRPr lang="en-US"/>
           </a:p>
@@ -927,7 +927,7 @@
           <a:p>
             <a:fld id="{241EB5C9-1307-BA42-ABA2-0BC069CD8E7F}" type="datetimeFigureOut">
               <a:rPr lang="en-US" smtClean="0"/>
-              <a:t>1/11/25</a:t>
+              <a:t>2/24/25</a:t>
             </a:fld>
             <a:endParaRPr lang="en-US"/>
           </a:p>
@@ -1467,7 +1467,7 @@
           <a:p>
             <a:fld id="{241EB5C9-1307-BA42-ABA2-0BC069CD8E7F}" type="datetimeFigureOut">
               <a:rPr lang="en-US" smtClean="0"/>
-              <a:t>1/11/25</a:t>
+              <a:t>2/24/25</a:t>
             </a:fld>
             <a:endParaRPr lang="en-US"/>
           </a:p>
@@ -2141,7 +2141,7 @@
           <a:p>
             <a:fld id="{241EB5C9-1307-BA42-ABA2-0BC069CD8E7F}" type="datetimeFigureOut">
               <a:rPr lang="en-US" smtClean="0"/>
-              <a:t>1/11/25</a:t>
+              <a:t>2/24/25</a:t>
             </a:fld>
             <a:endParaRPr lang="en-US"/>
           </a:p>
@@ -2288,7 +2288,7 @@
           <a:p>
             <a:fld id="{241EB5C9-1307-BA42-ABA2-0BC069CD8E7F}" type="datetimeFigureOut">
               <a:rPr lang="en-US" smtClean="0"/>
-              <a:t>1/11/25</a:t>
+              <a:t>2/24/25</a:t>
             </a:fld>
             <a:endParaRPr lang="en-US"/>
           </a:p>
@@ -2407,7 +2407,7 @@
           <a:p>
             <a:fld id="{241EB5C9-1307-BA42-ABA2-0BC069CD8E7F}" type="datetimeFigureOut">
               <a:rPr lang="en-US" smtClean="0"/>
-              <a:t>1/11/25</a:t>
+              <a:t>2/24/25</a:t>
             </a:fld>
             <a:endParaRPr lang="en-US"/>
           </a:p>
@@ -2706,7 +2706,7 @@
           <a:p>
             <a:fld id="{241EB5C9-1307-BA42-ABA2-0BC069CD8E7F}" type="datetimeFigureOut">
               <a:rPr lang="en-US" smtClean="0"/>
-              <a:t>1/11/25</a:t>
+              <a:t>2/24/25</a:t>
             </a:fld>
             <a:endParaRPr lang="en-US"/>
           </a:p>
@@ -2982,7 +2982,7 @@
           <a:p>
             <a:fld id="{241EB5C9-1307-BA42-ABA2-0BC069CD8E7F}" type="datetimeFigureOut">
               <a:rPr lang="en-US" smtClean="0"/>
-              <a:t>1/11/25</a:t>
+              <a:t>2/24/25</a:t>
             </a:fld>
             <a:endParaRPr lang="en-US"/>
           </a:p>
@@ -3235,7 +3235,7 @@
         </a:spcBef>
         <a:buFont typeface="Arial"/>
         <a:buChar char="–"/>
-        <a:defRPr baseline="0" kern="1200" sz="2100">
+        <a:defRPr baseline="0" kern="1200" sz="2400">
           <a:solidFill>
             <a:schemeClr val="tx1"/>
           </a:solidFill>
@@ -3250,7 +3250,7 @@
         </a:spcBef>
         <a:buFont typeface="Arial"/>
         <a:buChar char="•"/>
-        <a:defRPr kern="1200" sz="1800">
+        <a:defRPr kern="1200" sz="2400">
           <a:solidFill>
             <a:schemeClr val="tx1"/>
           </a:solidFill>
@@ -3265,7 +3265,7 @@
         </a:spcBef>
         <a:buFont typeface="Arial"/>
         <a:buChar char="–"/>
-        <a:defRPr kern="1200" sz="1500">
+        <a:defRPr kern="1200" sz="2400">
           <a:solidFill>
             <a:schemeClr val="tx1"/>
           </a:solidFill>

--- a/christmas2004.pptx
+++ b/christmas2004.pptx
@@ -3233,8 +3233,8 @@
         <a:spcBef>
           <a:spcPct val="20000"/>
         </a:spcBef>
-        <a:buFont typeface="Arial"/>
-        <a:buChar char="–"/>
+        <a:buFont charset="0" panose="020B0604020202020204" pitchFamily="34" typeface="Arial"/>
+        <a:buChar char="•"/>
         <a:defRPr baseline="0" kern="1200" sz="2400">
           <a:solidFill>
             <a:schemeClr val="tx1"/>
